--- a/КСЕ/Компьютернык технологии.pptx
+++ b/КСЕ/Компьютернык технологии.pptx
@@ -6,26 +6,22 @@
   </p:sldMasterIdLst>
   <p:sldIdLst>
     <p:sldId id="256" r:id="rId2"/>
-    <p:sldId id="257" r:id="rId3"/>
-    <p:sldId id="258" r:id="rId4"/>
-    <p:sldId id="259" r:id="rId5"/>
-    <p:sldId id="260" r:id="rId6"/>
-    <p:sldId id="261" r:id="rId7"/>
-    <p:sldId id="262" r:id="rId8"/>
-    <p:sldId id="263" r:id="rId9"/>
-    <p:sldId id="264" r:id="rId10"/>
-    <p:sldId id="265" r:id="rId11"/>
-    <p:sldId id="266" r:id="rId12"/>
-    <p:sldId id="267" r:id="rId13"/>
-    <p:sldId id="268" r:id="rId14"/>
-    <p:sldId id="270" r:id="rId15"/>
-    <p:sldId id="275" r:id="rId16"/>
-    <p:sldId id="271" r:id="rId17"/>
-    <p:sldId id="272" r:id="rId18"/>
-    <p:sldId id="273" r:id="rId19"/>
-    <p:sldId id="274" r:id="rId20"/>
-    <p:sldId id="276" r:id="rId21"/>
-    <p:sldId id="269" r:id="rId22"/>
+    <p:sldId id="262" r:id="rId3"/>
+    <p:sldId id="277" r:id="rId4"/>
+    <p:sldId id="263" r:id="rId5"/>
+    <p:sldId id="264" r:id="rId6"/>
+    <p:sldId id="265" r:id="rId7"/>
+    <p:sldId id="266" r:id="rId8"/>
+    <p:sldId id="267" r:id="rId9"/>
+    <p:sldId id="268" r:id="rId10"/>
+    <p:sldId id="270" r:id="rId11"/>
+    <p:sldId id="275" r:id="rId12"/>
+    <p:sldId id="271" r:id="rId13"/>
+    <p:sldId id="272" r:id="rId14"/>
+    <p:sldId id="273" r:id="rId15"/>
+    <p:sldId id="274" r:id="rId16"/>
+    <p:sldId id="276" r:id="rId17"/>
+    <p:sldId id="269" r:id="rId18"/>
   </p:sldIdLst>
   <p:sldSz cx="12192000" cy="6858000"/>
   <p:notesSz cx="6858000" cy="9144000"/>
@@ -144,29 +140,6 @@
 </p:cmAuthorLst>
 </file>
 
-<file path=ppt/comments/comment1.xml><?xml version="1.0" encoding="utf-8"?>
-<p:cmLst xmlns:a="http://schemas.openxmlformats.org/drawingml/2006/main" xmlns:r="http://schemas.openxmlformats.org/officeDocument/2006/relationships" xmlns:p="http://schemas.openxmlformats.org/presentationml/2006/main">
-  <p:cm authorId="1" dt="2023-10-22T22:27:06.410" idx="1">
-    <p:pos x="10" y="10"/>
-    <p:text/>
-    <p:extLst>
-      <p:ext uri="{C676402C-5697-4E1C-873F-D02D1690AC5C}">
-        <p15:threadingInfo xmlns:p15="http://schemas.microsoft.com/office/powerpoint/2012/main" timeZoneBias="-180"/>
-      </p:ext>
-    </p:extLst>
-  </p:cm>
-  <p:cm authorId="1" dt="2023-10-22T22:59:18.044" idx="2">
-    <p:pos x="146" y="146"/>
-    <p:text/>
-    <p:extLst>
-      <p:ext uri="{C676402C-5697-4E1C-873F-D02D1690AC5C}">
-        <p15:threadingInfo xmlns:p15="http://schemas.microsoft.com/office/powerpoint/2012/main" timeZoneBias="-180"/>
-      </p:ext>
-    </p:extLst>
-  </p:cm>
-</p:cmLst>
-</file>
-
 <file path=ppt/slideLayouts/slideLayout1.xml><?xml version="1.0" encoding="utf-8"?>
 <p:sldLayout xmlns:a="http://schemas.openxmlformats.org/drawingml/2006/main" xmlns:r="http://schemas.openxmlformats.org/officeDocument/2006/relationships" xmlns:p="http://schemas.openxmlformats.org/presentationml/2006/main" type="title" preserve="1">
   <p:cSld name="Титульный слайд">
@@ -314,7 +287,7 @@
           <a:p>
             <a:fld id="{4C878BE9-4A41-4488-9E16-BD42919E6B4C}" type="datetimeFigureOut">
               <a:rPr lang="ru-RU" smtClean="0"/>
-              <a:t>25.10.2023</a:t>
+              <a:t>12.11.2023</a:t>
             </a:fld>
             <a:endParaRPr lang="ru-RU"/>
           </a:p>
@@ -512,7 +485,7 @@
           <a:p>
             <a:fld id="{4C878BE9-4A41-4488-9E16-BD42919E6B4C}" type="datetimeFigureOut">
               <a:rPr lang="ru-RU" smtClean="0"/>
-              <a:t>25.10.2023</a:t>
+              <a:t>12.11.2023</a:t>
             </a:fld>
             <a:endParaRPr lang="ru-RU"/>
           </a:p>
@@ -720,7 +693,7 @@
           <a:p>
             <a:fld id="{4C878BE9-4A41-4488-9E16-BD42919E6B4C}" type="datetimeFigureOut">
               <a:rPr lang="ru-RU" smtClean="0"/>
-              <a:t>25.10.2023</a:t>
+              <a:t>12.11.2023</a:t>
             </a:fld>
             <a:endParaRPr lang="ru-RU"/>
           </a:p>
@@ -918,7 +891,7 @@
           <a:p>
             <a:fld id="{4C878BE9-4A41-4488-9E16-BD42919E6B4C}" type="datetimeFigureOut">
               <a:rPr lang="ru-RU" smtClean="0"/>
-              <a:t>25.10.2023</a:t>
+              <a:t>12.11.2023</a:t>
             </a:fld>
             <a:endParaRPr lang="ru-RU"/>
           </a:p>
@@ -1193,7 +1166,7 @@
           <a:p>
             <a:fld id="{4C878BE9-4A41-4488-9E16-BD42919E6B4C}" type="datetimeFigureOut">
               <a:rPr lang="ru-RU" smtClean="0"/>
-              <a:t>25.10.2023</a:t>
+              <a:t>12.11.2023</a:t>
             </a:fld>
             <a:endParaRPr lang="ru-RU"/>
           </a:p>
@@ -1458,7 +1431,7 @@
           <a:p>
             <a:fld id="{4C878BE9-4A41-4488-9E16-BD42919E6B4C}" type="datetimeFigureOut">
               <a:rPr lang="ru-RU" smtClean="0"/>
-              <a:t>25.10.2023</a:t>
+              <a:t>12.11.2023</a:t>
             </a:fld>
             <a:endParaRPr lang="ru-RU"/>
           </a:p>
@@ -1870,7 +1843,7 @@
           <a:p>
             <a:fld id="{4C878BE9-4A41-4488-9E16-BD42919E6B4C}" type="datetimeFigureOut">
               <a:rPr lang="ru-RU" smtClean="0"/>
-              <a:t>25.10.2023</a:t>
+              <a:t>12.11.2023</a:t>
             </a:fld>
             <a:endParaRPr lang="ru-RU"/>
           </a:p>
@@ -2011,7 +1984,7 @@
           <a:p>
             <a:fld id="{4C878BE9-4A41-4488-9E16-BD42919E6B4C}" type="datetimeFigureOut">
               <a:rPr lang="ru-RU" smtClean="0"/>
-              <a:t>25.10.2023</a:t>
+              <a:t>12.11.2023</a:t>
             </a:fld>
             <a:endParaRPr lang="ru-RU"/>
           </a:p>
@@ -2124,7 +2097,7 @@
           <a:p>
             <a:fld id="{4C878BE9-4A41-4488-9E16-BD42919E6B4C}" type="datetimeFigureOut">
               <a:rPr lang="ru-RU" smtClean="0"/>
-              <a:t>25.10.2023</a:t>
+              <a:t>12.11.2023</a:t>
             </a:fld>
             <a:endParaRPr lang="ru-RU"/>
           </a:p>
@@ -2435,7 +2408,7 @@
           <a:p>
             <a:fld id="{4C878BE9-4A41-4488-9E16-BD42919E6B4C}" type="datetimeFigureOut">
               <a:rPr lang="ru-RU" smtClean="0"/>
-              <a:t>25.10.2023</a:t>
+              <a:t>12.11.2023</a:t>
             </a:fld>
             <a:endParaRPr lang="ru-RU"/>
           </a:p>
@@ -2723,7 +2696,7 @@
           <a:p>
             <a:fld id="{4C878BE9-4A41-4488-9E16-BD42919E6B4C}" type="datetimeFigureOut">
               <a:rPr lang="ru-RU" smtClean="0"/>
-              <a:t>25.10.2023</a:t>
+              <a:t>12.11.2023</a:t>
             </a:fld>
             <a:endParaRPr lang="ru-RU"/>
           </a:p>
@@ -2974,7 +2947,7 @@
           <a:p>
             <a:fld id="{4C878BE9-4A41-4488-9E16-BD42919E6B4C}" type="datetimeFigureOut">
               <a:rPr lang="ru-RU" smtClean="0"/>
-              <a:t>25.10.2023</a:t>
+              <a:t>12.11.2023</a:t>
             </a:fld>
             <a:endParaRPr lang="ru-RU"/>
           </a:p>
@@ -3503,6 +3476,1521 @@
     <p:bg>
       <p:bgPr>
         <a:solidFill>
+          <a:srgbClr val="FFFFFF"/>
+        </a:solidFill>
+        <a:effectLst/>
+      </p:bgPr>
+    </p:bg>
+    <p:spTree>
+      <p:nvGrpSpPr>
+        <p:cNvPr id="1" name=""/>
+        <p:cNvGrpSpPr/>
+        <p:nvPr/>
+      </p:nvGrpSpPr>
+      <p:grpSpPr>
+        <a:xfrm>
+          <a:off x="0" y="0"/>
+          <a:ext cx="0" cy="0"/>
+          <a:chOff x="0" y="0"/>
+          <a:chExt cx="0" cy="0"/>
+        </a:xfrm>
+      </p:grpSpPr>
+      <p:sp>
+        <p:nvSpPr>
+          <p:cNvPr id="7" name="TextBox 6">
+            <a:extLst>
+              <a:ext uri="{FF2B5EF4-FFF2-40B4-BE49-F238E27FC236}">
+                <a16:creationId xmlns:a16="http://schemas.microsoft.com/office/drawing/2014/main" id="{C62A69AA-1251-4A83-A350-CCD1F91EBDB1}"/>
+              </a:ext>
+            </a:extLst>
+          </p:cNvPr>
+          <p:cNvSpPr txBox="1"/>
+          <p:nvPr/>
+        </p:nvSpPr>
+        <p:spPr>
+          <a:xfrm>
+            <a:off x="1408996" y="274261"/>
+            <a:ext cx="9659141" cy="707886"/>
+          </a:xfrm>
+          <a:prstGeom prst="rect">
+            <a:avLst/>
+          </a:prstGeom>
+          <a:noFill/>
+        </p:spPr>
+        <p:txBody>
+          <a:bodyPr wrap="square">
+            <a:spAutoFit/>
+          </a:bodyPr>
+          <a:lstStyle/>
+          <a:p>
+            <a:pPr algn="ctr"/>
+            <a:r>
+              <a:rPr lang="ru-RU" sz="4000" b="1" dirty="0">
+                <a:solidFill>
+                  <a:srgbClr val="306785"/>
+                </a:solidFill>
+                <a:latin typeface="Times New Roman" panose="02020603050405020304" pitchFamily="18" charset="0"/>
+                <a:cs typeface="Times New Roman" panose="02020603050405020304" pitchFamily="18" charset="0"/>
+              </a:rPr>
+              <a:t>Программы для управление проектами</a:t>
+            </a:r>
+          </a:p>
+        </p:txBody>
+      </p:sp>
+      <p:pic>
+        <p:nvPicPr>
+          <p:cNvPr id="6" name="Рисунок 5">
+            <a:extLst>
+              <a:ext uri="{FF2B5EF4-FFF2-40B4-BE49-F238E27FC236}">
+                <a16:creationId xmlns:a16="http://schemas.microsoft.com/office/drawing/2014/main" id="{1F312B26-549F-47FB-AF5C-56175E14814A}"/>
+              </a:ext>
+            </a:extLst>
+          </p:cNvPr>
+          <p:cNvPicPr>
+            <a:picLocks noChangeAspect="1"/>
+          </p:cNvPicPr>
+          <p:nvPr/>
+        </p:nvPicPr>
+        <p:blipFill>
+          <a:blip r:embed="rId2">
+            <a:extLst>
+              <a:ext uri="{28A0092B-C50C-407E-A947-70E740481C1C}">
+                <a14:useLocalDpi xmlns:a14="http://schemas.microsoft.com/office/drawing/2010/main" val="0"/>
+              </a:ext>
+            </a:extLst>
+          </a:blip>
+          <a:stretch>
+            <a:fillRect/>
+          </a:stretch>
+        </p:blipFill>
+        <p:spPr>
+          <a:xfrm>
+            <a:off x="1716231" y="1344468"/>
+            <a:ext cx="8759537" cy="4963737"/>
+          </a:xfrm>
+          <a:prstGeom prst="rect">
+            <a:avLst/>
+          </a:prstGeom>
+        </p:spPr>
+      </p:pic>
+    </p:spTree>
+    <p:extLst>
+      <p:ext uri="{BB962C8B-B14F-4D97-AF65-F5344CB8AC3E}">
+        <p14:creationId xmlns:p14="http://schemas.microsoft.com/office/powerpoint/2010/main" val="2925721948"/>
+      </p:ext>
+    </p:extLst>
+  </p:cSld>
+  <p:clrMapOvr>
+    <a:masterClrMapping/>
+  </p:clrMapOvr>
+</p:sld>
+</file>
+
+<file path=ppt/slides/slide11.xml><?xml version="1.0" encoding="utf-8"?>
+<p:sld xmlns:a="http://schemas.openxmlformats.org/drawingml/2006/main" xmlns:r="http://schemas.openxmlformats.org/officeDocument/2006/relationships" xmlns:p="http://schemas.openxmlformats.org/presentationml/2006/main">
+  <p:cSld>
+    <p:bg>
+      <p:bgPr>
+        <a:solidFill>
+          <a:schemeClr val="tx1">
+            <a:lumMod val="95000"/>
+            <a:lumOff val="5000"/>
+          </a:schemeClr>
+        </a:solidFill>
+        <a:effectLst/>
+      </p:bgPr>
+    </p:bg>
+    <p:spTree>
+      <p:nvGrpSpPr>
+        <p:cNvPr id="1" name=""/>
+        <p:cNvGrpSpPr/>
+        <p:nvPr/>
+      </p:nvGrpSpPr>
+      <p:grpSpPr>
+        <a:xfrm>
+          <a:off x="0" y="0"/>
+          <a:ext cx="0" cy="0"/>
+          <a:chOff x="0" y="0"/>
+          <a:chExt cx="0" cy="0"/>
+        </a:xfrm>
+      </p:grpSpPr>
+      <p:sp>
+        <p:nvSpPr>
+          <p:cNvPr id="7" name="TextBox 6">
+            <a:extLst>
+              <a:ext uri="{FF2B5EF4-FFF2-40B4-BE49-F238E27FC236}">
+                <a16:creationId xmlns:a16="http://schemas.microsoft.com/office/drawing/2014/main" id="{C62A69AA-1251-4A83-A350-CCD1F91EBDB1}"/>
+              </a:ext>
+            </a:extLst>
+          </p:cNvPr>
+          <p:cNvSpPr txBox="1"/>
+          <p:nvPr/>
+        </p:nvSpPr>
+        <p:spPr>
+          <a:xfrm>
+            <a:off x="1408996" y="274261"/>
+            <a:ext cx="9659141" cy="707886"/>
+          </a:xfrm>
+          <a:prstGeom prst="rect">
+            <a:avLst/>
+          </a:prstGeom>
+          <a:noFill/>
+        </p:spPr>
+        <p:txBody>
+          <a:bodyPr wrap="square">
+            <a:spAutoFit/>
+          </a:bodyPr>
+          <a:lstStyle/>
+          <a:p>
+            <a:pPr algn="ctr"/>
+            <a:r>
+              <a:rPr lang="ru-RU" sz="4000" b="1" dirty="0">
+                <a:solidFill>
+                  <a:schemeClr val="bg1"/>
+                </a:solidFill>
+                <a:latin typeface="Times New Roman" panose="02020603050405020304" pitchFamily="18" charset="0"/>
+                <a:cs typeface="Times New Roman" panose="02020603050405020304" pitchFamily="18" charset="0"/>
+              </a:rPr>
+              <a:t>Средства для разработки </a:t>
+            </a:r>
+          </a:p>
+        </p:txBody>
+      </p:sp>
+      <p:pic>
+        <p:nvPicPr>
+          <p:cNvPr id="3" name="Рисунок 2">
+            <a:extLst>
+              <a:ext uri="{FF2B5EF4-FFF2-40B4-BE49-F238E27FC236}">
+                <a16:creationId xmlns:a16="http://schemas.microsoft.com/office/drawing/2014/main" id="{1A71DF2B-82F4-4684-A1C0-5D095C56F526}"/>
+              </a:ext>
+            </a:extLst>
+          </p:cNvPr>
+          <p:cNvPicPr>
+            <a:picLocks noChangeAspect="1"/>
+          </p:cNvPicPr>
+          <p:nvPr/>
+        </p:nvPicPr>
+        <p:blipFill>
+          <a:blip r:embed="rId2">
+            <a:extLst>
+              <a:ext uri="{28A0092B-C50C-407E-A947-70E740481C1C}">
+                <a14:useLocalDpi xmlns:a14="http://schemas.microsoft.com/office/drawing/2010/main" val="0"/>
+              </a:ext>
+            </a:extLst>
+          </a:blip>
+          <a:stretch>
+            <a:fillRect/>
+          </a:stretch>
+        </p:blipFill>
+        <p:spPr>
+          <a:xfrm>
+            <a:off x="916081" y="1075665"/>
+            <a:ext cx="10359838" cy="5697049"/>
+          </a:xfrm>
+          <a:prstGeom prst="rect">
+            <a:avLst/>
+          </a:prstGeom>
+        </p:spPr>
+      </p:pic>
+    </p:spTree>
+    <p:extLst>
+      <p:ext uri="{BB962C8B-B14F-4D97-AF65-F5344CB8AC3E}">
+        <p14:creationId xmlns:p14="http://schemas.microsoft.com/office/powerpoint/2010/main" val="2679072498"/>
+      </p:ext>
+    </p:extLst>
+  </p:cSld>
+  <p:clrMapOvr>
+    <a:masterClrMapping/>
+  </p:clrMapOvr>
+</p:sld>
+</file>
+
+<file path=ppt/slides/slide12.xml><?xml version="1.0" encoding="utf-8"?>
+<p:sld xmlns:a="http://schemas.openxmlformats.org/drawingml/2006/main" xmlns:r="http://schemas.openxmlformats.org/officeDocument/2006/relationships" xmlns:p="http://schemas.openxmlformats.org/presentationml/2006/main">
+  <p:cSld>
+    <p:bg>
+      <p:bgPr>
+        <a:solidFill>
+          <a:schemeClr val="bg1"/>
+        </a:solidFill>
+        <a:effectLst/>
+      </p:bgPr>
+    </p:bg>
+    <p:spTree>
+      <p:nvGrpSpPr>
+        <p:cNvPr id="1" name=""/>
+        <p:cNvGrpSpPr/>
+        <p:nvPr/>
+      </p:nvGrpSpPr>
+      <p:grpSpPr>
+        <a:xfrm>
+          <a:off x="0" y="0"/>
+          <a:ext cx="0" cy="0"/>
+          <a:chOff x="0" y="0"/>
+          <a:chExt cx="0" cy="0"/>
+        </a:xfrm>
+      </p:grpSpPr>
+      <p:sp>
+        <p:nvSpPr>
+          <p:cNvPr id="7" name="TextBox 6">
+            <a:extLst>
+              <a:ext uri="{FF2B5EF4-FFF2-40B4-BE49-F238E27FC236}">
+                <a16:creationId xmlns:a16="http://schemas.microsoft.com/office/drawing/2014/main" id="{C62A69AA-1251-4A83-A350-CCD1F91EBDB1}"/>
+              </a:ext>
+            </a:extLst>
+          </p:cNvPr>
+          <p:cNvSpPr txBox="1"/>
+          <p:nvPr/>
+        </p:nvSpPr>
+        <p:spPr>
+          <a:xfrm>
+            <a:off x="1408996" y="274261"/>
+            <a:ext cx="9659141" cy="707886"/>
+          </a:xfrm>
+          <a:prstGeom prst="rect">
+            <a:avLst/>
+          </a:prstGeom>
+          <a:noFill/>
+        </p:spPr>
+        <p:txBody>
+          <a:bodyPr wrap="square">
+            <a:spAutoFit/>
+          </a:bodyPr>
+          <a:lstStyle/>
+          <a:p>
+            <a:pPr algn="ctr"/>
+            <a:r>
+              <a:rPr lang="ru-RU" sz="4000" b="1" dirty="0">
+                <a:solidFill>
+                  <a:srgbClr val="002060"/>
+                </a:solidFill>
+                <a:latin typeface="Times New Roman" panose="02020603050405020304" pitchFamily="18" charset="0"/>
+                <a:cs typeface="Times New Roman" panose="02020603050405020304" pitchFamily="18" charset="0"/>
+              </a:rPr>
+              <a:t>Антивирусная программное обеспечение</a:t>
+            </a:r>
+          </a:p>
+        </p:txBody>
+      </p:sp>
+      <p:pic>
+        <p:nvPicPr>
+          <p:cNvPr id="4" name="Рисунок 3">
+            <a:extLst>
+              <a:ext uri="{FF2B5EF4-FFF2-40B4-BE49-F238E27FC236}">
+                <a16:creationId xmlns:a16="http://schemas.microsoft.com/office/drawing/2014/main" id="{283D0E62-1C27-4A13-936E-B15A44E4B53E}"/>
+              </a:ext>
+            </a:extLst>
+          </p:cNvPr>
+          <p:cNvPicPr>
+            <a:picLocks noChangeAspect="1"/>
+          </p:cNvPicPr>
+          <p:nvPr/>
+        </p:nvPicPr>
+        <p:blipFill>
+          <a:blip r:embed="rId2">
+            <a:extLst>
+              <a:ext uri="{28A0092B-C50C-407E-A947-70E740481C1C}">
+                <a14:useLocalDpi xmlns:a14="http://schemas.microsoft.com/office/drawing/2010/main" val="0"/>
+              </a:ext>
+            </a:extLst>
+          </a:blip>
+          <a:stretch>
+            <a:fillRect/>
+          </a:stretch>
+        </p:blipFill>
+        <p:spPr>
+          <a:xfrm>
+            <a:off x="1817468" y="1203576"/>
+            <a:ext cx="8565573" cy="5467387"/>
+          </a:xfrm>
+          <a:prstGeom prst="rect">
+            <a:avLst/>
+          </a:prstGeom>
+        </p:spPr>
+      </p:pic>
+    </p:spTree>
+    <p:extLst>
+      <p:ext uri="{BB962C8B-B14F-4D97-AF65-F5344CB8AC3E}">
+        <p14:creationId xmlns:p14="http://schemas.microsoft.com/office/powerpoint/2010/main" val="673191962"/>
+      </p:ext>
+    </p:extLst>
+  </p:cSld>
+  <p:clrMapOvr>
+    <a:masterClrMapping/>
+  </p:clrMapOvr>
+</p:sld>
+</file>
+
+<file path=ppt/slides/slide13.xml><?xml version="1.0" encoding="utf-8"?>
+<p:sld xmlns:a="http://schemas.openxmlformats.org/drawingml/2006/main" xmlns:r="http://schemas.openxmlformats.org/officeDocument/2006/relationships" xmlns:p="http://schemas.openxmlformats.org/presentationml/2006/main">
+  <p:cSld>
+    <p:bg>
+      <p:bgPr>
+        <a:solidFill>
+          <a:schemeClr val="tx1"/>
+        </a:solidFill>
+        <a:effectLst/>
+      </p:bgPr>
+    </p:bg>
+    <p:spTree>
+      <p:nvGrpSpPr>
+        <p:cNvPr id="1" name=""/>
+        <p:cNvGrpSpPr/>
+        <p:nvPr/>
+      </p:nvGrpSpPr>
+      <p:grpSpPr>
+        <a:xfrm>
+          <a:off x="0" y="0"/>
+          <a:ext cx="0" cy="0"/>
+          <a:chOff x="0" y="0"/>
+          <a:chExt cx="0" cy="0"/>
+        </a:xfrm>
+      </p:grpSpPr>
+      <p:sp>
+        <p:nvSpPr>
+          <p:cNvPr id="7" name="TextBox 6">
+            <a:extLst>
+              <a:ext uri="{FF2B5EF4-FFF2-40B4-BE49-F238E27FC236}">
+                <a16:creationId xmlns:a16="http://schemas.microsoft.com/office/drawing/2014/main" id="{C62A69AA-1251-4A83-A350-CCD1F91EBDB1}"/>
+              </a:ext>
+            </a:extLst>
+          </p:cNvPr>
+          <p:cNvSpPr txBox="1"/>
+          <p:nvPr/>
+        </p:nvSpPr>
+        <p:spPr>
+          <a:xfrm>
+            <a:off x="1408996" y="274261"/>
+            <a:ext cx="9659141" cy="707886"/>
+          </a:xfrm>
+          <a:prstGeom prst="rect">
+            <a:avLst/>
+          </a:prstGeom>
+          <a:noFill/>
+        </p:spPr>
+        <p:txBody>
+          <a:bodyPr wrap="square">
+            <a:spAutoFit/>
+          </a:bodyPr>
+          <a:lstStyle/>
+          <a:p>
+            <a:pPr algn="ctr"/>
+            <a:r>
+              <a:rPr lang="ru-RU" sz="4000" b="1" dirty="0">
+                <a:solidFill>
+                  <a:schemeClr val="bg1">
+                    <a:lumMod val="95000"/>
+                  </a:schemeClr>
+                </a:solidFill>
+                <a:latin typeface="Times New Roman" panose="02020603050405020304" pitchFamily="18" charset="0"/>
+                <a:cs typeface="Times New Roman" panose="02020603050405020304" pitchFamily="18" charset="0"/>
+              </a:rPr>
+              <a:t>Игровые движки</a:t>
+            </a:r>
+          </a:p>
+        </p:txBody>
+      </p:sp>
+      <p:pic>
+        <p:nvPicPr>
+          <p:cNvPr id="3" name="Рисунок 2">
+            <a:extLst>
+              <a:ext uri="{FF2B5EF4-FFF2-40B4-BE49-F238E27FC236}">
+                <a16:creationId xmlns:a16="http://schemas.microsoft.com/office/drawing/2014/main" id="{F2EF7D87-C559-4AA9-8606-F2F391BA77AA}"/>
+              </a:ext>
+            </a:extLst>
+          </p:cNvPr>
+          <p:cNvPicPr>
+            <a:picLocks noChangeAspect="1"/>
+          </p:cNvPicPr>
+          <p:nvPr/>
+        </p:nvPicPr>
+        <p:blipFill>
+          <a:blip r:embed="rId2">
+            <a:extLst>
+              <a:ext uri="{28A0092B-C50C-407E-A947-70E740481C1C}">
+                <a14:useLocalDpi xmlns:a14="http://schemas.microsoft.com/office/drawing/2010/main" val="0"/>
+              </a:ext>
+            </a:extLst>
+          </a:blip>
+          <a:stretch>
+            <a:fillRect/>
+          </a:stretch>
+        </p:blipFill>
+        <p:spPr>
+          <a:xfrm>
+            <a:off x="1940843" y="1065614"/>
+            <a:ext cx="8595445" cy="5416307"/>
+          </a:xfrm>
+          <a:prstGeom prst="rect">
+            <a:avLst/>
+          </a:prstGeom>
+        </p:spPr>
+      </p:pic>
+    </p:spTree>
+    <p:extLst>
+      <p:ext uri="{BB962C8B-B14F-4D97-AF65-F5344CB8AC3E}">
+        <p14:creationId xmlns:p14="http://schemas.microsoft.com/office/powerpoint/2010/main" val="706053268"/>
+      </p:ext>
+    </p:extLst>
+  </p:cSld>
+  <p:clrMapOvr>
+    <a:masterClrMapping/>
+  </p:clrMapOvr>
+</p:sld>
+</file>
+
+<file path=ppt/slides/slide14.xml><?xml version="1.0" encoding="utf-8"?>
+<p:sld xmlns:a="http://schemas.openxmlformats.org/drawingml/2006/main" xmlns:r="http://schemas.openxmlformats.org/officeDocument/2006/relationships" xmlns:p="http://schemas.openxmlformats.org/presentationml/2006/main">
+  <p:cSld>
+    <p:bg>
+      <p:bgPr>
+        <a:solidFill>
+          <a:srgbClr val="3C3C3C"/>
+        </a:solidFill>
+        <a:effectLst/>
+      </p:bgPr>
+    </p:bg>
+    <p:spTree>
+      <p:nvGrpSpPr>
+        <p:cNvPr id="1" name=""/>
+        <p:cNvGrpSpPr/>
+        <p:nvPr/>
+      </p:nvGrpSpPr>
+      <p:grpSpPr>
+        <a:xfrm>
+          <a:off x="0" y="0"/>
+          <a:ext cx="0" cy="0"/>
+          <a:chOff x="0" y="0"/>
+          <a:chExt cx="0" cy="0"/>
+        </a:xfrm>
+      </p:grpSpPr>
+      <p:sp>
+        <p:nvSpPr>
+          <p:cNvPr id="7" name="TextBox 6">
+            <a:extLst>
+              <a:ext uri="{FF2B5EF4-FFF2-40B4-BE49-F238E27FC236}">
+                <a16:creationId xmlns:a16="http://schemas.microsoft.com/office/drawing/2014/main" id="{C62A69AA-1251-4A83-A350-CCD1F91EBDB1}"/>
+              </a:ext>
+            </a:extLst>
+          </p:cNvPr>
+          <p:cNvSpPr txBox="1"/>
+          <p:nvPr/>
+        </p:nvSpPr>
+        <p:spPr>
+          <a:xfrm>
+            <a:off x="1266429" y="158593"/>
+            <a:ext cx="9659141" cy="707886"/>
+          </a:xfrm>
+          <a:prstGeom prst="rect">
+            <a:avLst/>
+          </a:prstGeom>
+          <a:noFill/>
+        </p:spPr>
+        <p:txBody>
+          <a:bodyPr wrap="square">
+            <a:spAutoFit/>
+          </a:bodyPr>
+          <a:lstStyle/>
+          <a:p>
+            <a:pPr algn="ctr"/>
+            <a:r>
+              <a:rPr lang="ru-RU" sz="4000" b="1" dirty="0">
+                <a:solidFill>
+                  <a:schemeClr val="bg1">
+                    <a:lumMod val="95000"/>
+                  </a:schemeClr>
+                </a:solidFill>
+                <a:latin typeface="Times New Roman" panose="02020603050405020304" pitchFamily="18" charset="0"/>
+                <a:cs typeface="Times New Roman" panose="02020603050405020304" pitchFamily="18" charset="0"/>
+              </a:rPr>
+              <a:t>Редакторы </a:t>
+            </a:r>
+            <a:r>
+              <a:rPr lang="en-US" sz="4000" b="1" dirty="0">
+                <a:solidFill>
+                  <a:schemeClr val="bg1">
+                    <a:lumMod val="95000"/>
+                  </a:schemeClr>
+                </a:solidFill>
+                <a:latin typeface="Times New Roman" panose="02020603050405020304" pitchFamily="18" charset="0"/>
+                <a:cs typeface="Times New Roman" panose="02020603050405020304" pitchFamily="18" charset="0"/>
+              </a:rPr>
+              <a:t>3D </a:t>
+            </a:r>
+            <a:r>
+              <a:rPr lang="ru-RU" sz="4000" b="1" dirty="0">
+                <a:solidFill>
+                  <a:schemeClr val="bg1">
+                    <a:lumMod val="95000"/>
+                  </a:schemeClr>
+                </a:solidFill>
+                <a:latin typeface="Times New Roman" panose="02020603050405020304" pitchFamily="18" charset="0"/>
+                <a:cs typeface="Times New Roman" panose="02020603050405020304" pitchFamily="18" charset="0"/>
+              </a:rPr>
+              <a:t>моделей</a:t>
+            </a:r>
+          </a:p>
+        </p:txBody>
+      </p:sp>
+      <p:pic>
+        <p:nvPicPr>
+          <p:cNvPr id="4" name="Рисунок 3">
+            <a:extLst>
+              <a:ext uri="{FF2B5EF4-FFF2-40B4-BE49-F238E27FC236}">
+                <a16:creationId xmlns:a16="http://schemas.microsoft.com/office/drawing/2014/main" id="{CA9036CD-F29E-4091-90D9-183D34F21447}"/>
+              </a:ext>
+            </a:extLst>
+          </p:cNvPr>
+          <p:cNvPicPr>
+            <a:picLocks noChangeAspect="1"/>
+          </p:cNvPicPr>
+          <p:nvPr/>
+        </p:nvPicPr>
+        <p:blipFill>
+          <a:blip r:embed="rId2">
+            <a:extLst>
+              <a:ext uri="{28A0092B-C50C-407E-A947-70E740481C1C}">
+                <a14:useLocalDpi xmlns:a14="http://schemas.microsoft.com/office/drawing/2010/main" val="0"/>
+              </a:ext>
+            </a:extLst>
+          </a:blip>
+          <a:stretch>
+            <a:fillRect/>
+          </a:stretch>
+        </p:blipFill>
+        <p:spPr>
+          <a:xfrm>
+            <a:off x="2384530" y="1043128"/>
+            <a:ext cx="7422938" cy="5656279"/>
+          </a:xfrm>
+          <a:prstGeom prst="rect">
+            <a:avLst/>
+          </a:prstGeom>
+        </p:spPr>
+      </p:pic>
+    </p:spTree>
+    <p:extLst>
+      <p:ext uri="{BB962C8B-B14F-4D97-AF65-F5344CB8AC3E}">
+        <p14:creationId xmlns:p14="http://schemas.microsoft.com/office/powerpoint/2010/main" val="473649310"/>
+      </p:ext>
+    </p:extLst>
+  </p:cSld>
+  <p:clrMapOvr>
+    <a:masterClrMapping/>
+  </p:clrMapOvr>
+</p:sld>
+</file>
+
+<file path=ppt/slides/slide15.xml><?xml version="1.0" encoding="utf-8"?>
+<p:sld xmlns:a="http://schemas.openxmlformats.org/drawingml/2006/main" xmlns:r="http://schemas.openxmlformats.org/officeDocument/2006/relationships" xmlns:p="http://schemas.openxmlformats.org/presentationml/2006/main">
+  <p:cSld>
+    <p:bg>
+      <p:bgPr>
+        <a:solidFill>
+          <a:srgbClr val="01040E"/>
+        </a:solidFill>
+        <a:effectLst/>
+      </p:bgPr>
+    </p:bg>
+    <p:spTree>
+      <p:nvGrpSpPr>
+        <p:cNvPr id="1" name=""/>
+        <p:cNvGrpSpPr/>
+        <p:nvPr/>
+      </p:nvGrpSpPr>
+      <p:grpSpPr>
+        <a:xfrm>
+          <a:off x="0" y="0"/>
+          <a:ext cx="0" cy="0"/>
+          <a:chOff x="0" y="0"/>
+          <a:chExt cx="0" cy="0"/>
+        </a:xfrm>
+      </p:grpSpPr>
+      <p:sp>
+        <p:nvSpPr>
+          <p:cNvPr id="7" name="TextBox 6">
+            <a:extLst>
+              <a:ext uri="{FF2B5EF4-FFF2-40B4-BE49-F238E27FC236}">
+                <a16:creationId xmlns:a16="http://schemas.microsoft.com/office/drawing/2014/main" id="{C62A69AA-1251-4A83-A350-CCD1F91EBDB1}"/>
+              </a:ext>
+            </a:extLst>
+          </p:cNvPr>
+          <p:cNvSpPr txBox="1"/>
+          <p:nvPr/>
+        </p:nvSpPr>
+        <p:spPr>
+          <a:xfrm>
+            <a:off x="1266429" y="158593"/>
+            <a:ext cx="9659141" cy="1323439"/>
+          </a:xfrm>
+          <a:prstGeom prst="rect">
+            <a:avLst/>
+          </a:prstGeom>
+          <a:noFill/>
+        </p:spPr>
+        <p:txBody>
+          <a:bodyPr wrap="square">
+            <a:spAutoFit/>
+          </a:bodyPr>
+          <a:lstStyle/>
+          <a:p>
+            <a:pPr algn="ctr"/>
+            <a:r>
+              <a:rPr lang="ru-RU" sz="4000" b="1" dirty="0">
+                <a:solidFill>
+                  <a:schemeClr val="bg1">
+                    <a:lumMod val="95000"/>
+                  </a:schemeClr>
+                </a:solidFill>
+                <a:latin typeface="Times New Roman" panose="02020603050405020304" pitchFamily="18" charset="0"/>
+                <a:cs typeface="Times New Roman" panose="02020603050405020304" pitchFamily="18" charset="0"/>
+              </a:rPr>
+              <a:t>Программное обеспечение для резервного копирование</a:t>
+            </a:r>
+          </a:p>
+        </p:txBody>
+      </p:sp>
+      <p:pic>
+        <p:nvPicPr>
+          <p:cNvPr id="3" name="Рисунок 2">
+            <a:extLst>
+              <a:ext uri="{FF2B5EF4-FFF2-40B4-BE49-F238E27FC236}">
+                <a16:creationId xmlns:a16="http://schemas.microsoft.com/office/drawing/2014/main" id="{E366CA21-81C5-47DC-AA5B-45B418BE09AB}"/>
+              </a:ext>
+            </a:extLst>
+          </p:cNvPr>
+          <p:cNvPicPr>
+            <a:picLocks noChangeAspect="1"/>
+          </p:cNvPicPr>
+          <p:nvPr/>
+        </p:nvPicPr>
+        <p:blipFill>
+          <a:blip r:embed="rId2">
+            <a:extLst>
+              <a:ext uri="{28A0092B-C50C-407E-A947-70E740481C1C}">
+                <a14:useLocalDpi xmlns:a14="http://schemas.microsoft.com/office/drawing/2010/main" val="0"/>
+              </a:ext>
+            </a:extLst>
+          </a:blip>
+          <a:stretch>
+            <a:fillRect/>
+          </a:stretch>
+        </p:blipFill>
+        <p:spPr>
+          <a:xfrm>
+            <a:off x="2285999" y="1613057"/>
+            <a:ext cx="7620000" cy="5086350"/>
+          </a:xfrm>
+          <a:prstGeom prst="rect">
+            <a:avLst/>
+          </a:prstGeom>
+        </p:spPr>
+      </p:pic>
+    </p:spTree>
+    <p:extLst>
+      <p:ext uri="{BB962C8B-B14F-4D97-AF65-F5344CB8AC3E}">
+        <p14:creationId xmlns:p14="http://schemas.microsoft.com/office/powerpoint/2010/main" val="2172702993"/>
+      </p:ext>
+    </p:extLst>
+  </p:cSld>
+  <p:clrMapOvr>
+    <a:masterClrMapping/>
+  </p:clrMapOvr>
+</p:sld>
+</file>
+
+<file path=ppt/slides/slide16.xml><?xml version="1.0" encoding="utf-8"?>
+<p:sld xmlns:a="http://schemas.openxmlformats.org/drawingml/2006/main" xmlns:r="http://schemas.openxmlformats.org/officeDocument/2006/relationships" xmlns:p="http://schemas.openxmlformats.org/presentationml/2006/main">
+  <p:cSld>
+    <p:bg>
+      <p:bgPr>
+        <a:solidFill>
+          <a:srgbClr val="21BBEF"/>
+        </a:solidFill>
+        <a:effectLst/>
+      </p:bgPr>
+    </p:bg>
+    <p:spTree>
+      <p:nvGrpSpPr>
+        <p:cNvPr id="1" name=""/>
+        <p:cNvGrpSpPr/>
+        <p:nvPr/>
+      </p:nvGrpSpPr>
+      <p:grpSpPr>
+        <a:xfrm>
+          <a:off x="0" y="0"/>
+          <a:ext cx="0" cy="0"/>
+          <a:chOff x="0" y="0"/>
+          <a:chExt cx="0" cy="0"/>
+        </a:xfrm>
+      </p:grpSpPr>
+      <p:sp>
+        <p:nvSpPr>
+          <p:cNvPr id="7" name="TextBox 6">
+            <a:extLst>
+              <a:ext uri="{FF2B5EF4-FFF2-40B4-BE49-F238E27FC236}">
+                <a16:creationId xmlns:a16="http://schemas.microsoft.com/office/drawing/2014/main" id="{C62A69AA-1251-4A83-A350-CCD1F91EBDB1}"/>
+              </a:ext>
+            </a:extLst>
+          </p:cNvPr>
+          <p:cNvSpPr txBox="1"/>
+          <p:nvPr/>
+        </p:nvSpPr>
+        <p:spPr>
+          <a:xfrm>
+            <a:off x="1408997" y="367779"/>
+            <a:ext cx="9659141" cy="707886"/>
+          </a:xfrm>
+          <a:prstGeom prst="rect">
+            <a:avLst/>
+          </a:prstGeom>
+          <a:noFill/>
+        </p:spPr>
+        <p:txBody>
+          <a:bodyPr wrap="square">
+            <a:spAutoFit/>
+          </a:bodyPr>
+          <a:lstStyle/>
+          <a:p>
+            <a:pPr algn="ctr"/>
+            <a:r>
+              <a:rPr lang="en-US" sz="4000" b="1" dirty="0">
+                <a:solidFill>
+                  <a:schemeClr val="bg1"/>
+                </a:solidFill>
+                <a:latin typeface="Times New Roman" panose="02020603050405020304" pitchFamily="18" charset="0"/>
+                <a:cs typeface="Times New Roman" panose="02020603050405020304" pitchFamily="18" charset="0"/>
+              </a:rPr>
+              <a:t>CRM </a:t>
+            </a:r>
+            <a:r>
+              <a:rPr lang="ru-RU" sz="4000" b="1" dirty="0">
+                <a:solidFill>
+                  <a:schemeClr val="bg1"/>
+                </a:solidFill>
+                <a:latin typeface="Times New Roman" panose="02020603050405020304" pitchFamily="18" charset="0"/>
+                <a:cs typeface="Times New Roman" panose="02020603050405020304" pitchFamily="18" charset="0"/>
+              </a:rPr>
+              <a:t>- системы</a:t>
+            </a:r>
+          </a:p>
+        </p:txBody>
+      </p:sp>
+      <p:pic>
+        <p:nvPicPr>
+          <p:cNvPr id="4" name="Рисунок 3">
+            <a:extLst>
+              <a:ext uri="{FF2B5EF4-FFF2-40B4-BE49-F238E27FC236}">
+                <a16:creationId xmlns:a16="http://schemas.microsoft.com/office/drawing/2014/main" id="{767E34A1-CDCD-4799-894F-B76D5EEA8DAD}"/>
+              </a:ext>
+            </a:extLst>
+          </p:cNvPr>
+          <p:cNvPicPr>
+            <a:picLocks noChangeAspect="1"/>
+          </p:cNvPicPr>
+          <p:nvPr/>
+        </p:nvPicPr>
+        <p:blipFill>
+          <a:blip r:embed="rId2">
+            <a:extLst>
+              <a:ext uri="{28A0092B-C50C-407E-A947-70E740481C1C}">
+                <a14:useLocalDpi xmlns:a14="http://schemas.microsoft.com/office/drawing/2010/main" val="0"/>
+              </a:ext>
+            </a:extLst>
+          </a:blip>
+          <a:stretch>
+            <a:fillRect/>
+          </a:stretch>
+        </p:blipFill>
+        <p:spPr>
+          <a:xfrm>
+            <a:off x="1803488" y="1283897"/>
+            <a:ext cx="8585024" cy="5316583"/>
+          </a:xfrm>
+          <a:prstGeom prst="rect">
+            <a:avLst/>
+          </a:prstGeom>
+        </p:spPr>
+      </p:pic>
+    </p:spTree>
+    <p:extLst>
+      <p:ext uri="{BB962C8B-B14F-4D97-AF65-F5344CB8AC3E}">
+        <p14:creationId xmlns:p14="http://schemas.microsoft.com/office/powerpoint/2010/main" val="3445794036"/>
+      </p:ext>
+    </p:extLst>
+  </p:cSld>
+  <p:clrMapOvr>
+    <a:masterClrMapping/>
+  </p:clrMapOvr>
+</p:sld>
+</file>
+
+<file path=ppt/slides/slide17.xml><?xml version="1.0" encoding="utf-8"?>
+<p:sld xmlns:a="http://schemas.openxmlformats.org/drawingml/2006/main" xmlns:r="http://schemas.openxmlformats.org/officeDocument/2006/relationships" xmlns:p="http://schemas.openxmlformats.org/presentationml/2006/main">
+  <p:cSld>
+    <p:bg>
+      <p:bgPr>
+        <a:blipFill dpi="0" rotWithShape="1">
+          <a:blip r:embed="rId2">
+            <a:lum/>
+          </a:blip>
+          <a:srcRect/>
+          <a:stretch>
+            <a:fillRect/>
+          </a:stretch>
+        </a:blipFill>
+        <a:effectLst/>
+      </p:bgPr>
+    </p:bg>
+    <p:spTree>
+      <p:nvGrpSpPr>
+        <p:cNvPr id="1" name=""/>
+        <p:cNvGrpSpPr/>
+        <p:nvPr/>
+      </p:nvGrpSpPr>
+      <p:grpSpPr>
+        <a:xfrm>
+          <a:off x="0" y="0"/>
+          <a:ext cx="0" cy="0"/>
+          <a:chOff x="0" y="0"/>
+          <a:chExt cx="0" cy="0"/>
+        </a:xfrm>
+      </p:grpSpPr>
+    </p:spTree>
+    <p:extLst>
+      <p:ext uri="{BB962C8B-B14F-4D97-AF65-F5344CB8AC3E}">
+        <p14:creationId xmlns:p14="http://schemas.microsoft.com/office/powerpoint/2010/main" val="1912788371"/>
+      </p:ext>
+    </p:extLst>
+  </p:cSld>
+  <p:clrMapOvr>
+    <a:masterClrMapping/>
+  </p:clrMapOvr>
+</p:sld>
+</file>
+
+<file path=ppt/slides/slide2.xml><?xml version="1.0" encoding="utf-8"?>
+<p:sld xmlns:a="http://schemas.openxmlformats.org/drawingml/2006/main" xmlns:r="http://schemas.openxmlformats.org/officeDocument/2006/relationships" xmlns:p="http://schemas.openxmlformats.org/presentationml/2006/main">
+  <p:cSld>
+    <p:bg>
+      <p:bgPr>
+        <a:solidFill>
+          <a:srgbClr val="002060"/>
+        </a:solidFill>
+        <a:effectLst/>
+      </p:bgPr>
+    </p:bg>
+    <p:spTree>
+      <p:nvGrpSpPr>
+        <p:cNvPr id="1" name=""/>
+        <p:cNvGrpSpPr/>
+        <p:nvPr/>
+      </p:nvGrpSpPr>
+      <p:grpSpPr>
+        <a:xfrm>
+          <a:off x="0" y="0"/>
+          <a:ext cx="0" cy="0"/>
+          <a:chOff x="0" y="0"/>
+          <a:chExt cx="0" cy="0"/>
+        </a:xfrm>
+      </p:grpSpPr>
+      <p:sp>
+        <p:nvSpPr>
+          <p:cNvPr id="7" name="TextBox 6">
+            <a:extLst>
+              <a:ext uri="{FF2B5EF4-FFF2-40B4-BE49-F238E27FC236}">
+                <a16:creationId xmlns:a16="http://schemas.microsoft.com/office/drawing/2014/main" id="{C62A69AA-1251-4A83-A350-CCD1F91EBDB1}"/>
+              </a:ext>
+            </a:extLst>
+          </p:cNvPr>
+          <p:cNvSpPr txBox="1"/>
+          <p:nvPr/>
+        </p:nvSpPr>
+        <p:spPr>
+          <a:xfrm>
+            <a:off x="1687285" y="367779"/>
+            <a:ext cx="8817429" cy="707886"/>
+          </a:xfrm>
+          <a:prstGeom prst="rect">
+            <a:avLst/>
+          </a:prstGeom>
+          <a:noFill/>
+        </p:spPr>
+        <p:txBody>
+          <a:bodyPr wrap="square">
+            <a:spAutoFit/>
+          </a:bodyPr>
+          <a:lstStyle/>
+          <a:p>
+            <a:pPr algn="ctr"/>
+            <a:r>
+              <a:rPr lang="ru-RU" sz="4000" b="1" dirty="0">
+                <a:solidFill>
+                  <a:schemeClr val="bg1"/>
+                </a:solidFill>
+                <a:latin typeface="Times New Roman" panose="02020603050405020304" pitchFamily="18" charset="0"/>
+                <a:cs typeface="Times New Roman" panose="02020603050405020304" pitchFamily="18" charset="0"/>
+              </a:rPr>
+              <a:t>Сферы использование</a:t>
+            </a:r>
+          </a:p>
+        </p:txBody>
+      </p:sp>
+      <p:pic>
+        <p:nvPicPr>
+          <p:cNvPr id="4" name="Рисунок 3">
+            <a:extLst>
+              <a:ext uri="{FF2B5EF4-FFF2-40B4-BE49-F238E27FC236}">
+                <a16:creationId xmlns:a16="http://schemas.microsoft.com/office/drawing/2014/main" id="{41E8E13C-015D-4D6F-AD87-9A92B30A293F}"/>
+              </a:ext>
+            </a:extLst>
+          </p:cNvPr>
+          <p:cNvPicPr>
+            <a:picLocks noChangeAspect="1"/>
+          </p:cNvPicPr>
+          <p:nvPr/>
+        </p:nvPicPr>
+        <p:blipFill>
+          <a:blip r:embed="rId2">
+            <a:extLst>
+              <a:ext uri="{28A0092B-C50C-407E-A947-70E740481C1C}">
+                <a14:useLocalDpi xmlns:a14="http://schemas.microsoft.com/office/drawing/2010/main" val="0"/>
+              </a:ext>
+            </a:extLst>
+          </a:blip>
+          <a:stretch>
+            <a:fillRect/>
+          </a:stretch>
+        </p:blipFill>
+        <p:spPr>
+          <a:xfrm>
+            <a:off x="4401910" y="4437737"/>
+            <a:ext cx="3388180" cy="1768630"/>
+          </a:xfrm>
+          <a:prstGeom prst="rect">
+            <a:avLst/>
+          </a:prstGeom>
+        </p:spPr>
+      </p:pic>
+      <p:pic>
+        <p:nvPicPr>
+          <p:cNvPr id="9" name="Рисунок 8">
+            <a:extLst>
+              <a:ext uri="{FF2B5EF4-FFF2-40B4-BE49-F238E27FC236}">
+                <a16:creationId xmlns:a16="http://schemas.microsoft.com/office/drawing/2014/main" id="{98419E61-E3A9-4EB2-B16E-977B8E664ACE}"/>
+              </a:ext>
+            </a:extLst>
+          </p:cNvPr>
+          <p:cNvPicPr>
+            <a:picLocks noChangeAspect="1"/>
+          </p:cNvPicPr>
+          <p:nvPr/>
+        </p:nvPicPr>
+        <p:blipFill>
+          <a:blip r:embed="rId3">
+            <a:extLst>
+              <a:ext uri="{28A0092B-C50C-407E-A947-70E740481C1C}">
+                <a14:useLocalDpi xmlns:a14="http://schemas.microsoft.com/office/drawing/2010/main" val="0"/>
+              </a:ext>
+            </a:extLst>
+          </a:blip>
+          <a:stretch>
+            <a:fillRect/>
+          </a:stretch>
+        </p:blipFill>
+        <p:spPr>
+          <a:xfrm>
+            <a:off x="676863" y="1732503"/>
+            <a:ext cx="3725047" cy="2480881"/>
+          </a:xfrm>
+          <a:prstGeom prst="rect">
+            <a:avLst/>
+          </a:prstGeom>
+        </p:spPr>
+      </p:pic>
+      <p:pic>
+        <p:nvPicPr>
+          <p:cNvPr id="11" name="Рисунок 10">
+            <a:extLst>
+              <a:ext uri="{FF2B5EF4-FFF2-40B4-BE49-F238E27FC236}">
+                <a16:creationId xmlns:a16="http://schemas.microsoft.com/office/drawing/2014/main" id="{1EAC0C51-D5D7-4ECE-8300-5E5A62E3D9C6}"/>
+              </a:ext>
+            </a:extLst>
+          </p:cNvPr>
+          <p:cNvPicPr>
+            <a:picLocks noChangeAspect="1"/>
+          </p:cNvPicPr>
+          <p:nvPr/>
+        </p:nvPicPr>
+        <p:blipFill>
+          <a:blip r:embed="rId4">
+            <a:extLst>
+              <a:ext uri="{28A0092B-C50C-407E-A947-70E740481C1C}">
+                <a14:useLocalDpi xmlns:a14="http://schemas.microsoft.com/office/drawing/2010/main" val="0"/>
+              </a:ext>
+            </a:extLst>
+          </a:blip>
+          <a:stretch>
+            <a:fillRect/>
+          </a:stretch>
+        </p:blipFill>
+        <p:spPr>
+          <a:xfrm>
+            <a:off x="7793815" y="1843087"/>
+            <a:ext cx="3721322" cy="2480881"/>
+          </a:xfrm>
+          <a:prstGeom prst="rect">
+            <a:avLst/>
+          </a:prstGeom>
+        </p:spPr>
+      </p:pic>
+    </p:spTree>
+    <p:extLst>
+      <p:ext uri="{BB962C8B-B14F-4D97-AF65-F5344CB8AC3E}">
+        <p14:creationId xmlns:p14="http://schemas.microsoft.com/office/powerpoint/2010/main" val="488981916"/>
+      </p:ext>
+    </p:extLst>
+  </p:cSld>
+  <p:clrMapOvr>
+    <a:masterClrMapping/>
+  </p:clrMapOvr>
+</p:sld>
+</file>
+
+<file path=ppt/slides/slide3.xml><?xml version="1.0" encoding="utf-8"?>
+<p:sld xmlns:a="http://schemas.openxmlformats.org/drawingml/2006/main" xmlns:r="http://schemas.openxmlformats.org/officeDocument/2006/relationships" xmlns:p="http://schemas.openxmlformats.org/presentationml/2006/main">
+  <p:cSld>
+    <p:bg>
+      <p:bgPr>
+        <a:solidFill>
+          <a:srgbClr val="002060"/>
+        </a:solidFill>
+        <a:effectLst/>
+      </p:bgPr>
+    </p:bg>
+    <p:spTree>
+      <p:nvGrpSpPr>
+        <p:cNvPr id="1" name=""/>
+        <p:cNvGrpSpPr/>
+        <p:nvPr/>
+      </p:nvGrpSpPr>
+      <p:grpSpPr>
+        <a:xfrm>
+          <a:off x="0" y="0"/>
+          <a:ext cx="0" cy="0"/>
+          <a:chOff x="0" y="0"/>
+          <a:chExt cx="0" cy="0"/>
+        </a:xfrm>
+      </p:grpSpPr>
+      <p:sp>
+        <p:nvSpPr>
+          <p:cNvPr id="7" name="TextBox 6">
+            <a:extLst>
+              <a:ext uri="{FF2B5EF4-FFF2-40B4-BE49-F238E27FC236}">
+                <a16:creationId xmlns:a16="http://schemas.microsoft.com/office/drawing/2014/main" id="{C62A69AA-1251-4A83-A350-CCD1F91EBDB1}"/>
+              </a:ext>
+            </a:extLst>
+          </p:cNvPr>
+          <p:cNvSpPr txBox="1"/>
+          <p:nvPr/>
+        </p:nvSpPr>
+        <p:spPr>
+          <a:xfrm>
+            <a:off x="1687285" y="367779"/>
+            <a:ext cx="8817429" cy="707886"/>
+          </a:xfrm>
+          <a:prstGeom prst="rect">
+            <a:avLst/>
+          </a:prstGeom>
+          <a:noFill/>
+        </p:spPr>
+        <p:txBody>
+          <a:bodyPr wrap="square">
+            <a:spAutoFit/>
+          </a:bodyPr>
+          <a:lstStyle/>
+          <a:p>
+            <a:pPr algn="ctr"/>
+            <a:r>
+              <a:rPr lang="ru-RU" sz="4000" b="1" dirty="0">
+                <a:solidFill>
+                  <a:schemeClr val="bg1"/>
+                </a:solidFill>
+                <a:effectLst/>
+                <a:latin typeface="Times New Roman" panose="02020603050405020304" pitchFamily="18" charset="0"/>
+                <a:ea typeface="Calibri" panose="020F0502020204030204" pitchFamily="34" charset="0"/>
+              </a:rPr>
+              <a:t>Компьютеры изменили нашу жизнь </a:t>
+            </a:r>
+            <a:endParaRPr lang="ru-RU" sz="4000" b="1" dirty="0">
+              <a:solidFill>
+                <a:schemeClr val="bg1"/>
+              </a:solidFill>
+              <a:latin typeface="Times New Roman" panose="02020603050405020304" pitchFamily="18" charset="0"/>
+              <a:cs typeface="Times New Roman" panose="02020603050405020304" pitchFamily="18" charset="0"/>
+            </a:endParaRPr>
+          </a:p>
+        </p:txBody>
+      </p:sp>
+      <p:pic>
+        <p:nvPicPr>
+          <p:cNvPr id="3" name="Рисунок 2">
+            <a:extLst>
+              <a:ext uri="{FF2B5EF4-FFF2-40B4-BE49-F238E27FC236}">
+                <a16:creationId xmlns:a16="http://schemas.microsoft.com/office/drawing/2014/main" id="{A5125835-D2EF-4FCF-A60F-6305E9D9D11D}"/>
+              </a:ext>
+            </a:extLst>
+          </p:cNvPr>
+          <p:cNvPicPr>
+            <a:picLocks noChangeAspect="1"/>
+          </p:cNvPicPr>
+          <p:nvPr/>
+        </p:nvPicPr>
+        <p:blipFill>
+          <a:blip r:embed="rId2">
+            <a:extLst>
+              <a:ext uri="{28A0092B-C50C-407E-A947-70E740481C1C}">
+                <a14:useLocalDpi xmlns:a14="http://schemas.microsoft.com/office/drawing/2010/main" val="0"/>
+              </a:ext>
+            </a:extLst>
+          </a:blip>
+          <a:stretch>
+            <a:fillRect/>
+          </a:stretch>
+        </p:blipFill>
+        <p:spPr>
+          <a:xfrm>
+            <a:off x="4324350" y="3869160"/>
+            <a:ext cx="3543298" cy="2358508"/>
+          </a:xfrm>
+          <a:prstGeom prst="rect">
+            <a:avLst/>
+          </a:prstGeom>
+        </p:spPr>
+      </p:pic>
+      <p:pic>
+        <p:nvPicPr>
+          <p:cNvPr id="5" name="Рисунок 4">
+            <a:extLst>
+              <a:ext uri="{FF2B5EF4-FFF2-40B4-BE49-F238E27FC236}">
+                <a16:creationId xmlns:a16="http://schemas.microsoft.com/office/drawing/2014/main" id="{1D796822-482F-47A3-8327-043836A321ED}"/>
+              </a:ext>
+            </a:extLst>
+          </p:cNvPr>
+          <p:cNvPicPr>
+            <a:picLocks noChangeAspect="1"/>
+          </p:cNvPicPr>
+          <p:nvPr/>
+        </p:nvPicPr>
+        <p:blipFill>
+          <a:blip r:embed="rId3">
+            <a:extLst>
+              <a:ext uri="{28A0092B-C50C-407E-A947-70E740481C1C}">
+                <a14:useLocalDpi xmlns:a14="http://schemas.microsoft.com/office/drawing/2010/main" val="0"/>
+              </a:ext>
+            </a:extLst>
+          </a:blip>
+          <a:stretch>
+            <a:fillRect/>
+          </a:stretch>
+        </p:blipFill>
+        <p:spPr>
+          <a:xfrm>
+            <a:off x="8093527" y="1534886"/>
+            <a:ext cx="3543298" cy="2610172"/>
+          </a:xfrm>
+          <a:prstGeom prst="rect">
+            <a:avLst/>
+          </a:prstGeom>
+        </p:spPr>
+      </p:pic>
+      <p:pic>
+        <p:nvPicPr>
+          <p:cNvPr id="8" name="Рисунок 7">
+            <a:extLst>
+              <a:ext uri="{FF2B5EF4-FFF2-40B4-BE49-F238E27FC236}">
+                <a16:creationId xmlns:a16="http://schemas.microsoft.com/office/drawing/2014/main" id="{44060189-B1A0-40D6-A172-0A9E3FD176C9}"/>
+              </a:ext>
+            </a:extLst>
+          </p:cNvPr>
+          <p:cNvPicPr>
+            <a:picLocks noChangeAspect="1"/>
+          </p:cNvPicPr>
+          <p:nvPr/>
+        </p:nvPicPr>
+        <p:blipFill>
+          <a:blip r:embed="rId4">
+            <a:extLst>
+              <a:ext uri="{28A0092B-C50C-407E-A947-70E740481C1C}">
+                <a14:useLocalDpi xmlns:a14="http://schemas.microsoft.com/office/drawing/2010/main" val="0"/>
+              </a:ext>
+            </a:extLst>
+          </a:blip>
+          <a:stretch>
+            <a:fillRect/>
+          </a:stretch>
+        </p:blipFill>
+        <p:spPr>
+          <a:xfrm>
+            <a:off x="555173" y="1600200"/>
+            <a:ext cx="3543298" cy="2657474"/>
+          </a:xfrm>
+          <a:prstGeom prst="rect">
+            <a:avLst/>
+          </a:prstGeom>
+        </p:spPr>
+      </p:pic>
+    </p:spTree>
+    <p:extLst>
+      <p:ext uri="{BB962C8B-B14F-4D97-AF65-F5344CB8AC3E}">
+        <p14:creationId xmlns:p14="http://schemas.microsoft.com/office/powerpoint/2010/main" val="1917371174"/>
+      </p:ext>
+    </p:extLst>
+  </p:cSld>
+  <p:clrMapOvr>
+    <a:masterClrMapping/>
+  </p:clrMapOvr>
+</p:sld>
+</file>
+
+<file path=ppt/slides/slide4.xml><?xml version="1.0" encoding="utf-8"?>
+<p:sld xmlns:a="http://schemas.openxmlformats.org/drawingml/2006/main" xmlns:r="http://schemas.openxmlformats.org/officeDocument/2006/relationships" xmlns:p="http://schemas.openxmlformats.org/presentationml/2006/main">
+  <p:cSld>
+    <p:bg>
+      <p:bgPr>
+        <a:solidFill>
+          <a:srgbClr val="073952"/>
+        </a:solidFill>
+        <a:effectLst/>
+      </p:bgPr>
+    </p:bg>
+    <p:spTree>
+      <p:nvGrpSpPr>
+        <p:cNvPr id="1" name=""/>
+        <p:cNvGrpSpPr/>
+        <p:nvPr/>
+      </p:nvGrpSpPr>
+      <p:grpSpPr>
+        <a:xfrm>
+          <a:off x="0" y="0"/>
+          <a:ext cx="0" cy="0"/>
+          <a:chOff x="0" y="0"/>
+          <a:chExt cx="0" cy="0"/>
+        </a:xfrm>
+      </p:grpSpPr>
+      <p:sp>
+        <p:nvSpPr>
+          <p:cNvPr id="7" name="TextBox 6">
+            <a:extLst>
+              <a:ext uri="{FF2B5EF4-FFF2-40B4-BE49-F238E27FC236}">
+                <a16:creationId xmlns:a16="http://schemas.microsoft.com/office/drawing/2014/main" id="{C62A69AA-1251-4A83-A350-CCD1F91EBDB1}"/>
+              </a:ext>
+            </a:extLst>
+          </p:cNvPr>
+          <p:cNvSpPr txBox="1"/>
+          <p:nvPr/>
+        </p:nvSpPr>
+        <p:spPr>
+          <a:xfrm>
+            <a:off x="1687283" y="308786"/>
+            <a:ext cx="8817429" cy="707886"/>
+          </a:xfrm>
+          <a:prstGeom prst="rect">
+            <a:avLst/>
+          </a:prstGeom>
+          <a:noFill/>
+        </p:spPr>
+        <p:txBody>
+          <a:bodyPr wrap="square">
+            <a:spAutoFit/>
+          </a:bodyPr>
+          <a:lstStyle/>
+          <a:p>
+            <a:pPr algn="ctr"/>
+            <a:r>
+              <a:rPr lang="ru-RU" sz="4000" b="1" dirty="0">
+                <a:solidFill>
+                  <a:schemeClr val="bg1"/>
+                </a:solidFill>
+                <a:latin typeface="Times New Roman" panose="02020603050405020304" pitchFamily="18" charset="0"/>
+                <a:cs typeface="Times New Roman" panose="02020603050405020304" pitchFamily="18" charset="0"/>
+              </a:rPr>
+              <a:t>Искусственный интеллект </a:t>
+            </a:r>
+          </a:p>
+        </p:txBody>
+      </p:sp>
+      <p:pic>
+        <p:nvPicPr>
+          <p:cNvPr id="4" name="Рисунок 3">
+            <a:extLst>
+              <a:ext uri="{FF2B5EF4-FFF2-40B4-BE49-F238E27FC236}">
+                <a16:creationId xmlns:a16="http://schemas.microsoft.com/office/drawing/2014/main" id="{47E9AC2A-9812-4DCF-BB05-54271B619262}"/>
+              </a:ext>
+            </a:extLst>
+          </p:cNvPr>
+          <p:cNvPicPr>
+            <a:picLocks noChangeAspect="1"/>
+          </p:cNvPicPr>
+          <p:nvPr/>
+        </p:nvPicPr>
+        <p:blipFill>
+          <a:blip r:embed="rId2">
+            <a:extLst>
+              <a:ext uri="{28A0092B-C50C-407E-A947-70E740481C1C}">
+                <a14:useLocalDpi xmlns:a14="http://schemas.microsoft.com/office/drawing/2010/main" val="0"/>
+              </a:ext>
+            </a:extLst>
+          </a:blip>
+          <a:stretch>
+            <a:fillRect/>
+          </a:stretch>
+        </p:blipFill>
+        <p:spPr>
+          <a:xfrm>
+            <a:off x="2003013" y="1291975"/>
+            <a:ext cx="8185971" cy="5457314"/>
+          </a:xfrm>
+          <a:prstGeom prst="rect">
+            <a:avLst/>
+          </a:prstGeom>
+        </p:spPr>
+      </p:pic>
+    </p:spTree>
+    <p:extLst>
+      <p:ext uri="{BB962C8B-B14F-4D97-AF65-F5344CB8AC3E}">
+        <p14:creationId xmlns:p14="http://schemas.microsoft.com/office/powerpoint/2010/main" val="1238924041"/>
+      </p:ext>
+    </p:extLst>
+  </p:cSld>
+  <p:clrMapOvr>
+    <a:masterClrMapping/>
+  </p:clrMapOvr>
+</p:sld>
+</file>
+
+<file path=ppt/slides/slide5.xml><?xml version="1.0" encoding="utf-8"?>
+<p:sld xmlns:a="http://schemas.openxmlformats.org/drawingml/2006/main" xmlns:r="http://schemas.openxmlformats.org/officeDocument/2006/relationships" xmlns:p="http://schemas.openxmlformats.org/presentationml/2006/main">
+  <p:cSld>
+    <p:bg>
+      <p:bgPr>
+        <a:solidFill>
+          <a:srgbClr val="313131"/>
+        </a:solidFill>
+        <a:effectLst/>
+      </p:bgPr>
+    </p:bg>
+    <p:spTree>
+      <p:nvGrpSpPr>
+        <p:cNvPr id="1" name=""/>
+        <p:cNvGrpSpPr/>
+        <p:nvPr/>
+      </p:nvGrpSpPr>
+      <p:grpSpPr>
+        <a:xfrm>
+          <a:off x="0" y="0"/>
+          <a:ext cx="0" cy="0"/>
+          <a:chOff x="0" y="0"/>
+          <a:chExt cx="0" cy="0"/>
+        </a:xfrm>
+      </p:grpSpPr>
+      <p:sp>
+        <p:nvSpPr>
+          <p:cNvPr id="7" name="TextBox 6">
+            <a:extLst>
+              <a:ext uri="{FF2B5EF4-FFF2-40B4-BE49-F238E27FC236}">
+                <a16:creationId xmlns:a16="http://schemas.microsoft.com/office/drawing/2014/main" id="{C62A69AA-1251-4A83-A350-CCD1F91EBDB1}"/>
+              </a:ext>
+            </a:extLst>
+          </p:cNvPr>
+          <p:cNvSpPr txBox="1"/>
+          <p:nvPr/>
+        </p:nvSpPr>
+        <p:spPr>
+          <a:xfrm>
+            <a:off x="1687285" y="488401"/>
+            <a:ext cx="8817429" cy="707886"/>
+          </a:xfrm>
+          <a:prstGeom prst="rect">
+            <a:avLst/>
+          </a:prstGeom>
+          <a:noFill/>
+        </p:spPr>
+        <p:txBody>
+          <a:bodyPr wrap="square">
+            <a:spAutoFit/>
+          </a:bodyPr>
+          <a:lstStyle/>
+          <a:p>
+            <a:pPr algn="ctr"/>
+            <a:r>
+              <a:rPr lang="ru-RU" sz="4000" b="1" dirty="0">
+                <a:solidFill>
+                  <a:schemeClr val="bg1"/>
+                </a:solidFill>
+                <a:latin typeface="Times New Roman" panose="02020603050405020304" pitchFamily="18" charset="0"/>
+                <a:cs typeface="Times New Roman" panose="02020603050405020304" pitchFamily="18" charset="0"/>
+              </a:rPr>
+              <a:t>Веб браузеры</a:t>
+            </a:r>
+          </a:p>
+        </p:txBody>
+      </p:sp>
+      <p:pic>
+        <p:nvPicPr>
+          <p:cNvPr id="3" name="Рисунок 2">
+            <a:extLst>
+              <a:ext uri="{FF2B5EF4-FFF2-40B4-BE49-F238E27FC236}">
+                <a16:creationId xmlns:a16="http://schemas.microsoft.com/office/drawing/2014/main" id="{E35FB24A-44AF-47DC-A510-6146CE4D13A2}"/>
+              </a:ext>
+            </a:extLst>
+          </p:cNvPr>
+          <p:cNvPicPr>
+            <a:picLocks noChangeAspect="1"/>
+          </p:cNvPicPr>
+          <p:nvPr/>
+        </p:nvPicPr>
+        <p:blipFill>
+          <a:blip r:embed="rId2">
+            <a:extLst>
+              <a:ext uri="{28A0092B-C50C-407E-A947-70E740481C1C}">
+                <a14:useLocalDpi xmlns:a14="http://schemas.microsoft.com/office/drawing/2010/main" val="0"/>
+              </a:ext>
+            </a:extLst>
+          </a:blip>
+          <a:stretch>
+            <a:fillRect/>
+          </a:stretch>
+        </p:blipFill>
+        <p:spPr>
+          <a:xfrm>
+            <a:off x="476250" y="1506990"/>
+            <a:ext cx="11239500" cy="4730688"/>
+          </a:xfrm>
+          <a:prstGeom prst="rect">
+            <a:avLst/>
+          </a:prstGeom>
+        </p:spPr>
+      </p:pic>
+    </p:spTree>
+    <p:extLst>
+      <p:ext uri="{BB962C8B-B14F-4D97-AF65-F5344CB8AC3E}">
+        <p14:creationId xmlns:p14="http://schemas.microsoft.com/office/powerpoint/2010/main" val="1792139311"/>
+      </p:ext>
+    </p:extLst>
+  </p:cSld>
+  <p:clrMapOvr>
+    <a:masterClrMapping/>
+  </p:clrMapOvr>
+</p:sld>
+</file>
+
+<file path=ppt/slides/slide6.xml><?xml version="1.0" encoding="utf-8"?>
+<p:sld xmlns:a="http://schemas.openxmlformats.org/drawingml/2006/main" xmlns:r="http://schemas.openxmlformats.org/officeDocument/2006/relationships" xmlns:p="http://schemas.openxmlformats.org/presentationml/2006/main">
+  <p:cSld>
+    <p:bg>
+      <p:bgPr>
+        <a:solidFill>
           <a:srgbClr val="2B5899"/>
         </a:solidFill>
         <a:effectLst/>
@@ -3621,7 +5109,7 @@
 </p:sld>
 </file>
 
-<file path=ppt/slides/slide11.xml><?xml version="1.0" encoding="utf-8"?>
+<file path=ppt/slides/slide7.xml><?xml version="1.0" encoding="utf-8"?>
 <p:sld xmlns:a="http://schemas.openxmlformats.org/drawingml/2006/main" xmlns:r="http://schemas.openxmlformats.org/officeDocument/2006/relationships" xmlns:p="http://schemas.openxmlformats.org/presentationml/2006/main">
   <p:cSld>
     <p:bg>
@@ -3759,7 +5247,7 @@
 </p:sld>
 </file>
 
-<file path=ppt/slides/slide12.xml><?xml version="1.0" encoding="utf-8"?>
+<file path=ppt/slides/slide8.xml><?xml version="1.0" encoding="utf-8"?>
 <p:sld xmlns:a="http://schemas.openxmlformats.org/drawingml/2006/main" xmlns:r="http://schemas.openxmlformats.org/officeDocument/2006/relationships" xmlns:p="http://schemas.openxmlformats.org/presentationml/2006/main">
   <p:cSld>
     <p:bg>
@@ -3875,7 +5363,7 @@
 </p:sld>
 </file>
 
-<file path=ppt/slides/slide13.xml><?xml version="1.0" encoding="utf-8"?>
+<file path=ppt/slides/slide9.xml><?xml version="1.0" encoding="utf-8"?>
 <p:sld xmlns:a="http://schemas.openxmlformats.org/drawingml/2006/main" xmlns:r="http://schemas.openxmlformats.org/officeDocument/2006/relationships" xmlns:p="http://schemas.openxmlformats.org/presentationml/2006/main">
   <p:cSld>
     <p:bg>
@@ -4005,2563 +5493,6 @@
     <p:extLst>
       <p:ext uri="{BB962C8B-B14F-4D97-AF65-F5344CB8AC3E}">
         <p14:creationId xmlns:p14="http://schemas.microsoft.com/office/powerpoint/2010/main" val="198472460"/>
-      </p:ext>
-    </p:extLst>
-  </p:cSld>
-  <p:clrMapOvr>
-    <a:masterClrMapping/>
-  </p:clrMapOvr>
-</p:sld>
-</file>
-
-<file path=ppt/slides/slide14.xml><?xml version="1.0" encoding="utf-8"?>
-<p:sld xmlns:a="http://schemas.openxmlformats.org/drawingml/2006/main" xmlns:r="http://schemas.openxmlformats.org/officeDocument/2006/relationships" xmlns:p="http://schemas.openxmlformats.org/presentationml/2006/main">
-  <p:cSld>
-    <p:bg>
-      <p:bgPr>
-        <a:solidFill>
-          <a:srgbClr val="FFFFFF"/>
-        </a:solidFill>
-        <a:effectLst/>
-      </p:bgPr>
-    </p:bg>
-    <p:spTree>
-      <p:nvGrpSpPr>
-        <p:cNvPr id="1" name=""/>
-        <p:cNvGrpSpPr/>
-        <p:nvPr/>
-      </p:nvGrpSpPr>
-      <p:grpSpPr>
-        <a:xfrm>
-          <a:off x="0" y="0"/>
-          <a:ext cx="0" cy="0"/>
-          <a:chOff x="0" y="0"/>
-          <a:chExt cx="0" cy="0"/>
-        </a:xfrm>
-      </p:grpSpPr>
-      <p:sp>
-        <p:nvSpPr>
-          <p:cNvPr id="7" name="TextBox 6">
-            <a:extLst>
-              <a:ext uri="{FF2B5EF4-FFF2-40B4-BE49-F238E27FC236}">
-                <a16:creationId xmlns:a16="http://schemas.microsoft.com/office/drawing/2014/main" id="{C62A69AA-1251-4A83-A350-CCD1F91EBDB1}"/>
-              </a:ext>
-            </a:extLst>
-          </p:cNvPr>
-          <p:cNvSpPr txBox="1"/>
-          <p:nvPr/>
-        </p:nvSpPr>
-        <p:spPr>
-          <a:xfrm>
-            <a:off x="1408996" y="274261"/>
-            <a:ext cx="9659141" cy="707886"/>
-          </a:xfrm>
-          <a:prstGeom prst="rect">
-            <a:avLst/>
-          </a:prstGeom>
-          <a:noFill/>
-        </p:spPr>
-        <p:txBody>
-          <a:bodyPr wrap="square">
-            <a:spAutoFit/>
-          </a:bodyPr>
-          <a:lstStyle/>
-          <a:p>
-            <a:pPr algn="ctr"/>
-            <a:r>
-              <a:rPr lang="ru-RU" sz="4000" b="1" dirty="0">
-                <a:solidFill>
-                  <a:srgbClr val="306785"/>
-                </a:solidFill>
-                <a:latin typeface="Times New Roman" panose="02020603050405020304" pitchFamily="18" charset="0"/>
-                <a:cs typeface="Times New Roman" panose="02020603050405020304" pitchFamily="18" charset="0"/>
-              </a:rPr>
-              <a:t>Программы для управление проектами</a:t>
-            </a:r>
-          </a:p>
-        </p:txBody>
-      </p:sp>
-      <p:pic>
-        <p:nvPicPr>
-          <p:cNvPr id="6" name="Рисунок 5">
-            <a:extLst>
-              <a:ext uri="{FF2B5EF4-FFF2-40B4-BE49-F238E27FC236}">
-                <a16:creationId xmlns:a16="http://schemas.microsoft.com/office/drawing/2014/main" id="{1F312B26-549F-47FB-AF5C-56175E14814A}"/>
-              </a:ext>
-            </a:extLst>
-          </p:cNvPr>
-          <p:cNvPicPr>
-            <a:picLocks noChangeAspect="1"/>
-          </p:cNvPicPr>
-          <p:nvPr/>
-        </p:nvPicPr>
-        <p:blipFill>
-          <a:blip r:embed="rId2">
-            <a:extLst>
-              <a:ext uri="{28A0092B-C50C-407E-A947-70E740481C1C}">
-                <a14:useLocalDpi xmlns:a14="http://schemas.microsoft.com/office/drawing/2010/main" val="0"/>
-              </a:ext>
-            </a:extLst>
-          </a:blip>
-          <a:stretch>
-            <a:fillRect/>
-          </a:stretch>
-        </p:blipFill>
-        <p:spPr>
-          <a:xfrm>
-            <a:off x="1716231" y="1344468"/>
-            <a:ext cx="8759537" cy="4963737"/>
-          </a:xfrm>
-          <a:prstGeom prst="rect">
-            <a:avLst/>
-          </a:prstGeom>
-        </p:spPr>
-      </p:pic>
-    </p:spTree>
-    <p:extLst>
-      <p:ext uri="{BB962C8B-B14F-4D97-AF65-F5344CB8AC3E}">
-        <p14:creationId xmlns:p14="http://schemas.microsoft.com/office/powerpoint/2010/main" val="2925721948"/>
-      </p:ext>
-    </p:extLst>
-  </p:cSld>
-  <p:clrMapOvr>
-    <a:masterClrMapping/>
-  </p:clrMapOvr>
-</p:sld>
-</file>
-
-<file path=ppt/slides/slide15.xml><?xml version="1.0" encoding="utf-8"?>
-<p:sld xmlns:a="http://schemas.openxmlformats.org/drawingml/2006/main" xmlns:r="http://schemas.openxmlformats.org/officeDocument/2006/relationships" xmlns:p="http://schemas.openxmlformats.org/presentationml/2006/main">
-  <p:cSld>
-    <p:bg>
-      <p:bgPr>
-        <a:solidFill>
-          <a:schemeClr val="tx1">
-            <a:lumMod val="95000"/>
-            <a:lumOff val="5000"/>
-          </a:schemeClr>
-        </a:solidFill>
-        <a:effectLst/>
-      </p:bgPr>
-    </p:bg>
-    <p:spTree>
-      <p:nvGrpSpPr>
-        <p:cNvPr id="1" name=""/>
-        <p:cNvGrpSpPr/>
-        <p:nvPr/>
-      </p:nvGrpSpPr>
-      <p:grpSpPr>
-        <a:xfrm>
-          <a:off x="0" y="0"/>
-          <a:ext cx="0" cy="0"/>
-          <a:chOff x="0" y="0"/>
-          <a:chExt cx="0" cy="0"/>
-        </a:xfrm>
-      </p:grpSpPr>
-      <p:sp>
-        <p:nvSpPr>
-          <p:cNvPr id="7" name="TextBox 6">
-            <a:extLst>
-              <a:ext uri="{FF2B5EF4-FFF2-40B4-BE49-F238E27FC236}">
-                <a16:creationId xmlns:a16="http://schemas.microsoft.com/office/drawing/2014/main" id="{C62A69AA-1251-4A83-A350-CCD1F91EBDB1}"/>
-              </a:ext>
-            </a:extLst>
-          </p:cNvPr>
-          <p:cNvSpPr txBox="1"/>
-          <p:nvPr/>
-        </p:nvSpPr>
-        <p:spPr>
-          <a:xfrm>
-            <a:off x="1408996" y="274261"/>
-            <a:ext cx="9659141" cy="707886"/>
-          </a:xfrm>
-          <a:prstGeom prst="rect">
-            <a:avLst/>
-          </a:prstGeom>
-          <a:noFill/>
-        </p:spPr>
-        <p:txBody>
-          <a:bodyPr wrap="square">
-            <a:spAutoFit/>
-          </a:bodyPr>
-          <a:lstStyle/>
-          <a:p>
-            <a:pPr algn="ctr"/>
-            <a:r>
-              <a:rPr lang="ru-RU" sz="4000" b="1" dirty="0">
-                <a:solidFill>
-                  <a:schemeClr val="bg1"/>
-                </a:solidFill>
-                <a:latin typeface="Times New Roman" panose="02020603050405020304" pitchFamily="18" charset="0"/>
-                <a:cs typeface="Times New Roman" panose="02020603050405020304" pitchFamily="18" charset="0"/>
-              </a:rPr>
-              <a:t>Средства для разработки </a:t>
-            </a:r>
-          </a:p>
-        </p:txBody>
-      </p:sp>
-      <p:pic>
-        <p:nvPicPr>
-          <p:cNvPr id="3" name="Рисунок 2">
-            <a:extLst>
-              <a:ext uri="{FF2B5EF4-FFF2-40B4-BE49-F238E27FC236}">
-                <a16:creationId xmlns:a16="http://schemas.microsoft.com/office/drawing/2014/main" id="{1A71DF2B-82F4-4684-A1C0-5D095C56F526}"/>
-              </a:ext>
-            </a:extLst>
-          </p:cNvPr>
-          <p:cNvPicPr>
-            <a:picLocks noChangeAspect="1"/>
-          </p:cNvPicPr>
-          <p:nvPr/>
-        </p:nvPicPr>
-        <p:blipFill>
-          <a:blip r:embed="rId2">
-            <a:extLst>
-              <a:ext uri="{28A0092B-C50C-407E-A947-70E740481C1C}">
-                <a14:useLocalDpi xmlns:a14="http://schemas.microsoft.com/office/drawing/2010/main" val="0"/>
-              </a:ext>
-            </a:extLst>
-          </a:blip>
-          <a:stretch>
-            <a:fillRect/>
-          </a:stretch>
-        </p:blipFill>
-        <p:spPr>
-          <a:xfrm>
-            <a:off x="916081" y="1075665"/>
-            <a:ext cx="10359838" cy="5697049"/>
-          </a:xfrm>
-          <a:prstGeom prst="rect">
-            <a:avLst/>
-          </a:prstGeom>
-        </p:spPr>
-      </p:pic>
-    </p:spTree>
-    <p:extLst>
-      <p:ext uri="{BB962C8B-B14F-4D97-AF65-F5344CB8AC3E}">
-        <p14:creationId xmlns:p14="http://schemas.microsoft.com/office/powerpoint/2010/main" val="2679072498"/>
-      </p:ext>
-    </p:extLst>
-  </p:cSld>
-  <p:clrMapOvr>
-    <a:masterClrMapping/>
-  </p:clrMapOvr>
-</p:sld>
-</file>
-
-<file path=ppt/slides/slide16.xml><?xml version="1.0" encoding="utf-8"?>
-<p:sld xmlns:a="http://schemas.openxmlformats.org/drawingml/2006/main" xmlns:r="http://schemas.openxmlformats.org/officeDocument/2006/relationships" xmlns:p="http://schemas.openxmlformats.org/presentationml/2006/main">
-  <p:cSld>
-    <p:bg>
-      <p:bgPr>
-        <a:solidFill>
-          <a:schemeClr val="bg1"/>
-        </a:solidFill>
-        <a:effectLst/>
-      </p:bgPr>
-    </p:bg>
-    <p:spTree>
-      <p:nvGrpSpPr>
-        <p:cNvPr id="1" name=""/>
-        <p:cNvGrpSpPr/>
-        <p:nvPr/>
-      </p:nvGrpSpPr>
-      <p:grpSpPr>
-        <a:xfrm>
-          <a:off x="0" y="0"/>
-          <a:ext cx="0" cy="0"/>
-          <a:chOff x="0" y="0"/>
-          <a:chExt cx="0" cy="0"/>
-        </a:xfrm>
-      </p:grpSpPr>
-      <p:sp>
-        <p:nvSpPr>
-          <p:cNvPr id="7" name="TextBox 6">
-            <a:extLst>
-              <a:ext uri="{FF2B5EF4-FFF2-40B4-BE49-F238E27FC236}">
-                <a16:creationId xmlns:a16="http://schemas.microsoft.com/office/drawing/2014/main" id="{C62A69AA-1251-4A83-A350-CCD1F91EBDB1}"/>
-              </a:ext>
-            </a:extLst>
-          </p:cNvPr>
-          <p:cNvSpPr txBox="1"/>
-          <p:nvPr/>
-        </p:nvSpPr>
-        <p:spPr>
-          <a:xfrm>
-            <a:off x="1408996" y="274261"/>
-            <a:ext cx="9659141" cy="707886"/>
-          </a:xfrm>
-          <a:prstGeom prst="rect">
-            <a:avLst/>
-          </a:prstGeom>
-          <a:noFill/>
-        </p:spPr>
-        <p:txBody>
-          <a:bodyPr wrap="square">
-            <a:spAutoFit/>
-          </a:bodyPr>
-          <a:lstStyle/>
-          <a:p>
-            <a:pPr algn="ctr"/>
-            <a:r>
-              <a:rPr lang="ru-RU" sz="4000" b="1" dirty="0">
-                <a:solidFill>
-                  <a:srgbClr val="002060"/>
-                </a:solidFill>
-                <a:latin typeface="Times New Roman" panose="02020603050405020304" pitchFamily="18" charset="0"/>
-                <a:cs typeface="Times New Roman" panose="02020603050405020304" pitchFamily="18" charset="0"/>
-              </a:rPr>
-              <a:t>Антивирусная программное обеспечение</a:t>
-            </a:r>
-          </a:p>
-        </p:txBody>
-      </p:sp>
-      <p:pic>
-        <p:nvPicPr>
-          <p:cNvPr id="4" name="Рисунок 3">
-            <a:extLst>
-              <a:ext uri="{FF2B5EF4-FFF2-40B4-BE49-F238E27FC236}">
-                <a16:creationId xmlns:a16="http://schemas.microsoft.com/office/drawing/2014/main" id="{283D0E62-1C27-4A13-936E-B15A44E4B53E}"/>
-              </a:ext>
-            </a:extLst>
-          </p:cNvPr>
-          <p:cNvPicPr>
-            <a:picLocks noChangeAspect="1"/>
-          </p:cNvPicPr>
-          <p:nvPr/>
-        </p:nvPicPr>
-        <p:blipFill>
-          <a:blip r:embed="rId2">
-            <a:extLst>
-              <a:ext uri="{28A0092B-C50C-407E-A947-70E740481C1C}">
-                <a14:useLocalDpi xmlns:a14="http://schemas.microsoft.com/office/drawing/2010/main" val="0"/>
-              </a:ext>
-            </a:extLst>
-          </a:blip>
-          <a:stretch>
-            <a:fillRect/>
-          </a:stretch>
-        </p:blipFill>
-        <p:spPr>
-          <a:xfrm>
-            <a:off x="1817468" y="1203576"/>
-            <a:ext cx="8565573" cy="5467387"/>
-          </a:xfrm>
-          <a:prstGeom prst="rect">
-            <a:avLst/>
-          </a:prstGeom>
-        </p:spPr>
-      </p:pic>
-    </p:spTree>
-    <p:extLst>
-      <p:ext uri="{BB962C8B-B14F-4D97-AF65-F5344CB8AC3E}">
-        <p14:creationId xmlns:p14="http://schemas.microsoft.com/office/powerpoint/2010/main" val="673191962"/>
-      </p:ext>
-    </p:extLst>
-  </p:cSld>
-  <p:clrMapOvr>
-    <a:masterClrMapping/>
-  </p:clrMapOvr>
-</p:sld>
-</file>
-
-<file path=ppt/slides/slide17.xml><?xml version="1.0" encoding="utf-8"?>
-<p:sld xmlns:a="http://schemas.openxmlformats.org/drawingml/2006/main" xmlns:r="http://schemas.openxmlformats.org/officeDocument/2006/relationships" xmlns:p="http://schemas.openxmlformats.org/presentationml/2006/main">
-  <p:cSld>
-    <p:bg>
-      <p:bgPr>
-        <a:solidFill>
-          <a:schemeClr val="tx1"/>
-        </a:solidFill>
-        <a:effectLst/>
-      </p:bgPr>
-    </p:bg>
-    <p:spTree>
-      <p:nvGrpSpPr>
-        <p:cNvPr id="1" name=""/>
-        <p:cNvGrpSpPr/>
-        <p:nvPr/>
-      </p:nvGrpSpPr>
-      <p:grpSpPr>
-        <a:xfrm>
-          <a:off x="0" y="0"/>
-          <a:ext cx="0" cy="0"/>
-          <a:chOff x="0" y="0"/>
-          <a:chExt cx="0" cy="0"/>
-        </a:xfrm>
-      </p:grpSpPr>
-      <p:sp>
-        <p:nvSpPr>
-          <p:cNvPr id="7" name="TextBox 6">
-            <a:extLst>
-              <a:ext uri="{FF2B5EF4-FFF2-40B4-BE49-F238E27FC236}">
-                <a16:creationId xmlns:a16="http://schemas.microsoft.com/office/drawing/2014/main" id="{C62A69AA-1251-4A83-A350-CCD1F91EBDB1}"/>
-              </a:ext>
-            </a:extLst>
-          </p:cNvPr>
-          <p:cNvSpPr txBox="1"/>
-          <p:nvPr/>
-        </p:nvSpPr>
-        <p:spPr>
-          <a:xfrm>
-            <a:off x="1408996" y="274261"/>
-            <a:ext cx="9659141" cy="707886"/>
-          </a:xfrm>
-          <a:prstGeom prst="rect">
-            <a:avLst/>
-          </a:prstGeom>
-          <a:noFill/>
-        </p:spPr>
-        <p:txBody>
-          <a:bodyPr wrap="square">
-            <a:spAutoFit/>
-          </a:bodyPr>
-          <a:lstStyle/>
-          <a:p>
-            <a:pPr algn="ctr"/>
-            <a:r>
-              <a:rPr lang="ru-RU" sz="4000" b="1" dirty="0">
-                <a:solidFill>
-                  <a:schemeClr val="bg1">
-                    <a:lumMod val="95000"/>
-                  </a:schemeClr>
-                </a:solidFill>
-                <a:latin typeface="Times New Roman" panose="02020603050405020304" pitchFamily="18" charset="0"/>
-                <a:cs typeface="Times New Roman" panose="02020603050405020304" pitchFamily="18" charset="0"/>
-              </a:rPr>
-              <a:t>Игровые движки</a:t>
-            </a:r>
-          </a:p>
-        </p:txBody>
-      </p:sp>
-      <p:pic>
-        <p:nvPicPr>
-          <p:cNvPr id="3" name="Рисунок 2">
-            <a:extLst>
-              <a:ext uri="{FF2B5EF4-FFF2-40B4-BE49-F238E27FC236}">
-                <a16:creationId xmlns:a16="http://schemas.microsoft.com/office/drawing/2014/main" id="{F2EF7D87-C559-4AA9-8606-F2F391BA77AA}"/>
-              </a:ext>
-            </a:extLst>
-          </p:cNvPr>
-          <p:cNvPicPr>
-            <a:picLocks noChangeAspect="1"/>
-          </p:cNvPicPr>
-          <p:nvPr/>
-        </p:nvPicPr>
-        <p:blipFill>
-          <a:blip r:embed="rId2">
-            <a:extLst>
-              <a:ext uri="{28A0092B-C50C-407E-A947-70E740481C1C}">
-                <a14:useLocalDpi xmlns:a14="http://schemas.microsoft.com/office/drawing/2010/main" val="0"/>
-              </a:ext>
-            </a:extLst>
-          </a:blip>
-          <a:stretch>
-            <a:fillRect/>
-          </a:stretch>
-        </p:blipFill>
-        <p:spPr>
-          <a:xfrm>
-            <a:off x="1940843" y="1065614"/>
-            <a:ext cx="8595445" cy="5416307"/>
-          </a:xfrm>
-          <a:prstGeom prst="rect">
-            <a:avLst/>
-          </a:prstGeom>
-        </p:spPr>
-      </p:pic>
-    </p:spTree>
-    <p:extLst>
-      <p:ext uri="{BB962C8B-B14F-4D97-AF65-F5344CB8AC3E}">
-        <p14:creationId xmlns:p14="http://schemas.microsoft.com/office/powerpoint/2010/main" val="706053268"/>
-      </p:ext>
-    </p:extLst>
-  </p:cSld>
-  <p:clrMapOvr>
-    <a:masterClrMapping/>
-  </p:clrMapOvr>
-</p:sld>
-</file>
-
-<file path=ppt/slides/slide18.xml><?xml version="1.0" encoding="utf-8"?>
-<p:sld xmlns:a="http://schemas.openxmlformats.org/drawingml/2006/main" xmlns:r="http://schemas.openxmlformats.org/officeDocument/2006/relationships" xmlns:p="http://schemas.openxmlformats.org/presentationml/2006/main">
-  <p:cSld>
-    <p:bg>
-      <p:bgPr>
-        <a:solidFill>
-          <a:srgbClr val="3C3C3C"/>
-        </a:solidFill>
-        <a:effectLst/>
-      </p:bgPr>
-    </p:bg>
-    <p:spTree>
-      <p:nvGrpSpPr>
-        <p:cNvPr id="1" name=""/>
-        <p:cNvGrpSpPr/>
-        <p:nvPr/>
-      </p:nvGrpSpPr>
-      <p:grpSpPr>
-        <a:xfrm>
-          <a:off x="0" y="0"/>
-          <a:ext cx="0" cy="0"/>
-          <a:chOff x="0" y="0"/>
-          <a:chExt cx="0" cy="0"/>
-        </a:xfrm>
-      </p:grpSpPr>
-      <p:sp>
-        <p:nvSpPr>
-          <p:cNvPr id="7" name="TextBox 6">
-            <a:extLst>
-              <a:ext uri="{FF2B5EF4-FFF2-40B4-BE49-F238E27FC236}">
-                <a16:creationId xmlns:a16="http://schemas.microsoft.com/office/drawing/2014/main" id="{C62A69AA-1251-4A83-A350-CCD1F91EBDB1}"/>
-              </a:ext>
-            </a:extLst>
-          </p:cNvPr>
-          <p:cNvSpPr txBox="1"/>
-          <p:nvPr/>
-        </p:nvSpPr>
-        <p:spPr>
-          <a:xfrm>
-            <a:off x="1266429" y="158593"/>
-            <a:ext cx="9659141" cy="707886"/>
-          </a:xfrm>
-          <a:prstGeom prst="rect">
-            <a:avLst/>
-          </a:prstGeom>
-          <a:noFill/>
-        </p:spPr>
-        <p:txBody>
-          <a:bodyPr wrap="square">
-            <a:spAutoFit/>
-          </a:bodyPr>
-          <a:lstStyle/>
-          <a:p>
-            <a:pPr algn="ctr"/>
-            <a:r>
-              <a:rPr lang="ru-RU" sz="4000" b="1" dirty="0">
-                <a:solidFill>
-                  <a:schemeClr val="bg1">
-                    <a:lumMod val="95000"/>
-                  </a:schemeClr>
-                </a:solidFill>
-                <a:latin typeface="Times New Roman" panose="02020603050405020304" pitchFamily="18" charset="0"/>
-                <a:cs typeface="Times New Roman" panose="02020603050405020304" pitchFamily="18" charset="0"/>
-              </a:rPr>
-              <a:t>Редакторы </a:t>
-            </a:r>
-            <a:r>
-              <a:rPr lang="en-US" sz="4000" b="1" dirty="0">
-                <a:solidFill>
-                  <a:schemeClr val="bg1">
-                    <a:lumMod val="95000"/>
-                  </a:schemeClr>
-                </a:solidFill>
-                <a:latin typeface="Times New Roman" panose="02020603050405020304" pitchFamily="18" charset="0"/>
-                <a:cs typeface="Times New Roman" panose="02020603050405020304" pitchFamily="18" charset="0"/>
-              </a:rPr>
-              <a:t>3D </a:t>
-            </a:r>
-            <a:r>
-              <a:rPr lang="ru-RU" sz="4000" b="1" dirty="0">
-                <a:solidFill>
-                  <a:schemeClr val="bg1">
-                    <a:lumMod val="95000"/>
-                  </a:schemeClr>
-                </a:solidFill>
-                <a:latin typeface="Times New Roman" panose="02020603050405020304" pitchFamily="18" charset="0"/>
-                <a:cs typeface="Times New Roman" panose="02020603050405020304" pitchFamily="18" charset="0"/>
-              </a:rPr>
-              <a:t>моделей</a:t>
-            </a:r>
-          </a:p>
-        </p:txBody>
-      </p:sp>
-      <p:pic>
-        <p:nvPicPr>
-          <p:cNvPr id="4" name="Рисунок 3">
-            <a:extLst>
-              <a:ext uri="{FF2B5EF4-FFF2-40B4-BE49-F238E27FC236}">
-                <a16:creationId xmlns:a16="http://schemas.microsoft.com/office/drawing/2014/main" id="{CA9036CD-F29E-4091-90D9-183D34F21447}"/>
-              </a:ext>
-            </a:extLst>
-          </p:cNvPr>
-          <p:cNvPicPr>
-            <a:picLocks noChangeAspect="1"/>
-          </p:cNvPicPr>
-          <p:nvPr/>
-        </p:nvPicPr>
-        <p:blipFill>
-          <a:blip r:embed="rId2">
-            <a:extLst>
-              <a:ext uri="{28A0092B-C50C-407E-A947-70E740481C1C}">
-                <a14:useLocalDpi xmlns:a14="http://schemas.microsoft.com/office/drawing/2010/main" val="0"/>
-              </a:ext>
-            </a:extLst>
-          </a:blip>
-          <a:stretch>
-            <a:fillRect/>
-          </a:stretch>
-        </p:blipFill>
-        <p:spPr>
-          <a:xfrm>
-            <a:off x="2384530" y="1043128"/>
-            <a:ext cx="7422938" cy="5656279"/>
-          </a:xfrm>
-          <a:prstGeom prst="rect">
-            <a:avLst/>
-          </a:prstGeom>
-        </p:spPr>
-      </p:pic>
-    </p:spTree>
-    <p:extLst>
-      <p:ext uri="{BB962C8B-B14F-4D97-AF65-F5344CB8AC3E}">
-        <p14:creationId xmlns:p14="http://schemas.microsoft.com/office/powerpoint/2010/main" val="473649310"/>
-      </p:ext>
-    </p:extLst>
-  </p:cSld>
-  <p:clrMapOvr>
-    <a:masterClrMapping/>
-  </p:clrMapOvr>
-</p:sld>
-</file>
-
-<file path=ppt/slides/slide19.xml><?xml version="1.0" encoding="utf-8"?>
-<p:sld xmlns:a="http://schemas.openxmlformats.org/drawingml/2006/main" xmlns:r="http://schemas.openxmlformats.org/officeDocument/2006/relationships" xmlns:p="http://schemas.openxmlformats.org/presentationml/2006/main">
-  <p:cSld>
-    <p:bg>
-      <p:bgPr>
-        <a:solidFill>
-          <a:srgbClr val="01040E"/>
-        </a:solidFill>
-        <a:effectLst/>
-      </p:bgPr>
-    </p:bg>
-    <p:spTree>
-      <p:nvGrpSpPr>
-        <p:cNvPr id="1" name=""/>
-        <p:cNvGrpSpPr/>
-        <p:nvPr/>
-      </p:nvGrpSpPr>
-      <p:grpSpPr>
-        <a:xfrm>
-          <a:off x="0" y="0"/>
-          <a:ext cx="0" cy="0"/>
-          <a:chOff x="0" y="0"/>
-          <a:chExt cx="0" cy="0"/>
-        </a:xfrm>
-      </p:grpSpPr>
-      <p:sp>
-        <p:nvSpPr>
-          <p:cNvPr id="7" name="TextBox 6">
-            <a:extLst>
-              <a:ext uri="{FF2B5EF4-FFF2-40B4-BE49-F238E27FC236}">
-                <a16:creationId xmlns:a16="http://schemas.microsoft.com/office/drawing/2014/main" id="{C62A69AA-1251-4A83-A350-CCD1F91EBDB1}"/>
-              </a:ext>
-            </a:extLst>
-          </p:cNvPr>
-          <p:cNvSpPr txBox="1"/>
-          <p:nvPr/>
-        </p:nvSpPr>
-        <p:spPr>
-          <a:xfrm>
-            <a:off x="1266429" y="158593"/>
-            <a:ext cx="9659141" cy="1323439"/>
-          </a:xfrm>
-          <a:prstGeom prst="rect">
-            <a:avLst/>
-          </a:prstGeom>
-          <a:noFill/>
-        </p:spPr>
-        <p:txBody>
-          <a:bodyPr wrap="square">
-            <a:spAutoFit/>
-          </a:bodyPr>
-          <a:lstStyle/>
-          <a:p>
-            <a:pPr algn="ctr"/>
-            <a:r>
-              <a:rPr lang="ru-RU" sz="4000" b="1" dirty="0">
-                <a:solidFill>
-                  <a:schemeClr val="bg1">
-                    <a:lumMod val="95000"/>
-                  </a:schemeClr>
-                </a:solidFill>
-                <a:latin typeface="Times New Roman" panose="02020603050405020304" pitchFamily="18" charset="0"/>
-                <a:cs typeface="Times New Roman" panose="02020603050405020304" pitchFamily="18" charset="0"/>
-              </a:rPr>
-              <a:t>Программное обеспечение для резервного копирование</a:t>
-            </a:r>
-          </a:p>
-        </p:txBody>
-      </p:sp>
-      <p:pic>
-        <p:nvPicPr>
-          <p:cNvPr id="3" name="Рисунок 2">
-            <a:extLst>
-              <a:ext uri="{FF2B5EF4-FFF2-40B4-BE49-F238E27FC236}">
-                <a16:creationId xmlns:a16="http://schemas.microsoft.com/office/drawing/2014/main" id="{E366CA21-81C5-47DC-AA5B-45B418BE09AB}"/>
-              </a:ext>
-            </a:extLst>
-          </p:cNvPr>
-          <p:cNvPicPr>
-            <a:picLocks noChangeAspect="1"/>
-          </p:cNvPicPr>
-          <p:nvPr/>
-        </p:nvPicPr>
-        <p:blipFill>
-          <a:blip r:embed="rId2">
-            <a:extLst>
-              <a:ext uri="{28A0092B-C50C-407E-A947-70E740481C1C}">
-                <a14:useLocalDpi xmlns:a14="http://schemas.microsoft.com/office/drawing/2010/main" val="0"/>
-              </a:ext>
-            </a:extLst>
-          </a:blip>
-          <a:stretch>
-            <a:fillRect/>
-          </a:stretch>
-        </p:blipFill>
-        <p:spPr>
-          <a:xfrm>
-            <a:off x="2285999" y="1613057"/>
-            <a:ext cx="7620000" cy="5086350"/>
-          </a:xfrm>
-          <a:prstGeom prst="rect">
-            <a:avLst/>
-          </a:prstGeom>
-        </p:spPr>
-      </p:pic>
-    </p:spTree>
-    <p:extLst>
-      <p:ext uri="{BB962C8B-B14F-4D97-AF65-F5344CB8AC3E}">
-        <p14:creationId xmlns:p14="http://schemas.microsoft.com/office/powerpoint/2010/main" val="2172702993"/>
-      </p:ext>
-    </p:extLst>
-  </p:cSld>
-  <p:clrMapOvr>
-    <a:masterClrMapping/>
-  </p:clrMapOvr>
-</p:sld>
-</file>
-
-<file path=ppt/slides/slide2.xml><?xml version="1.0" encoding="utf-8"?>
-<p:sld xmlns:a="http://schemas.openxmlformats.org/drawingml/2006/main" xmlns:r="http://schemas.openxmlformats.org/officeDocument/2006/relationships" xmlns:p="http://schemas.openxmlformats.org/presentationml/2006/main">
-  <p:cSld>
-    <p:bg>
-      <p:bgPr>
-        <a:blipFill dpi="0" rotWithShape="1">
-          <a:blip r:embed="rId2">
-            <a:lum/>
-          </a:blip>
-          <a:srcRect/>
-          <a:stretch>
-            <a:fillRect l="-20000" r="-20000"/>
-          </a:stretch>
-        </a:blipFill>
-        <a:effectLst/>
-      </p:bgPr>
-    </p:bg>
-    <p:spTree>
-      <p:nvGrpSpPr>
-        <p:cNvPr id="1" name=""/>
-        <p:cNvGrpSpPr/>
-        <p:nvPr/>
-      </p:nvGrpSpPr>
-      <p:grpSpPr>
-        <a:xfrm>
-          <a:off x="0" y="0"/>
-          <a:ext cx="0" cy="0"/>
-          <a:chOff x="0" y="0"/>
-          <a:chExt cx="0" cy="0"/>
-        </a:xfrm>
-      </p:grpSpPr>
-      <p:sp>
-        <p:nvSpPr>
-          <p:cNvPr id="7" name="TextBox 6">
-            <a:extLst>
-              <a:ext uri="{FF2B5EF4-FFF2-40B4-BE49-F238E27FC236}">
-                <a16:creationId xmlns:a16="http://schemas.microsoft.com/office/drawing/2014/main" id="{C62A69AA-1251-4A83-A350-CCD1F91EBDB1}"/>
-              </a:ext>
-            </a:extLst>
-          </p:cNvPr>
-          <p:cNvSpPr txBox="1"/>
-          <p:nvPr/>
-        </p:nvSpPr>
-        <p:spPr>
-          <a:xfrm>
-            <a:off x="635576" y="449422"/>
-            <a:ext cx="10920844" cy="707886"/>
-          </a:xfrm>
-          <a:prstGeom prst="rect">
-            <a:avLst/>
-          </a:prstGeom>
-          <a:noFill/>
-        </p:spPr>
-        <p:txBody>
-          <a:bodyPr wrap="square">
-            <a:spAutoFit/>
-          </a:bodyPr>
-          <a:lstStyle/>
-          <a:p>
-            <a:pPr algn="ctr"/>
-            <a:r>
-              <a:rPr lang="ru-RU" sz="4000" b="1" dirty="0">
-                <a:solidFill>
-                  <a:schemeClr val="bg1"/>
-                </a:solidFill>
-                <a:effectLst/>
-                <a:latin typeface="Times New Roman" panose="02020603050405020304" pitchFamily="18" charset="0"/>
-                <a:ea typeface="Calibri" panose="020F0502020204030204" pitchFamily="34" charset="0"/>
-                <a:cs typeface="Times New Roman" panose="02020603050405020304" pitchFamily="18" charset="0"/>
-              </a:rPr>
-              <a:t>Компьютерные технологии включают в себя</a:t>
-            </a:r>
-            <a:r>
-              <a:rPr lang="en-US" sz="4000" b="1" dirty="0">
-                <a:solidFill>
-                  <a:schemeClr val="bg1"/>
-                </a:solidFill>
-                <a:latin typeface="Times New Roman" panose="02020603050405020304" pitchFamily="18" charset="0"/>
-                <a:ea typeface="Calibri" panose="020F0502020204030204" pitchFamily="34" charset="0"/>
-                <a:cs typeface="Times New Roman" panose="02020603050405020304" pitchFamily="18" charset="0"/>
-              </a:rPr>
-              <a:t>:</a:t>
-            </a:r>
-            <a:r>
-              <a:rPr lang="ru-RU" sz="4000" b="1" dirty="0">
-                <a:solidFill>
-                  <a:schemeClr val="bg1"/>
-                </a:solidFill>
-                <a:effectLst/>
-                <a:latin typeface="Times New Roman" panose="02020603050405020304" pitchFamily="18" charset="0"/>
-                <a:ea typeface="Calibri" panose="020F0502020204030204" pitchFamily="34" charset="0"/>
-                <a:cs typeface="Times New Roman" panose="02020603050405020304" pitchFamily="18" charset="0"/>
-              </a:rPr>
-              <a:t> </a:t>
-            </a:r>
-            <a:endParaRPr lang="ru-RU" sz="4000" b="1" dirty="0">
-              <a:solidFill>
-                <a:schemeClr val="bg1"/>
-              </a:solidFill>
-              <a:latin typeface="Times New Roman" panose="02020603050405020304" pitchFamily="18" charset="0"/>
-              <a:cs typeface="Times New Roman" panose="02020603050405020304" pitchFamily="18" charset="0"/>
-            </a:endParaRPr>
-          </a:p>
-        </p:txBody>
-      </p:sp>
-      <p:sp>
-        <p:nvSpPr>
-          <p:cNvPr id="8" name="TextBox 7">
-            <a:extLst>
-              <a:ext uri="{FF2B5EF4-FFF2-40B4-BE49-F238E27FC236}">
-                <a16:creationId xmlns:a16="http://schemas.microsoft.com/office/drawing/2014/main" id="{975C2E66-79C8-4503-99B5-9D2B27CB419B}"/>
-              </a:ext>
-            </a:extLst>
-          </p:cNvPr>
-          <p:cNvSpPr txBox="1"/>
-          <p:nvPr/>
-        </p:nvSpPr>
-        <p:spPr>
-          <a:xfrm>
-            <a:off x="3735698" y="1574191"/>
-            <a:ext cx="5614219" cy="3971536"/>
-          </a:xfrm>
-          <a:prstGeom prst="rect">
-            <a:avLst/>
-          </a:prstGeom>
-          <a:noFill/>
-        </p:spPr>
-        <p:txBody>
-          <a:bodyPr wrap="square">
-            <a:spAutoFit/>
-          </a:bodyPr>
-          <a:lstStyle/>
-          <a:p>
-            <a:pPr marL="457200" indent="-457200">
-              <a:lnSpc>
-                <a:spcPct val="200000"/>
-              </a:lnSpc>
-              <a:buFont typeface="Times New Roman" panose="02020603050405020304" pitchFamily="18" charset="0"/>
-              <a:buChar char="-"/>
-            </a:pPr>
-            <a:r>
-              <a:rPr lang="ru-RU" sz="2600" b="1" dirty="0">
-                <a:solidFill>
-                  <a:schemeClr val="bg1"/>
-                </a:solidFill>
-                <a:latin typeface="Times New Roman" panose="02020603050405020304" pitchFamily="18" charset="0"/>
-                <a:cs typeface="Times New Roman" panose="02020603050405020304" pitchFamily="18" charset="0"/>
-              </a:rPr>
-              <a:t>Процессор;</a:t>
-            </a:r>
-          </a:p>
-          <a:p>
-            <a:pPr marL="457200" indent="-457200">
-              <a:lnSpc>
-                <a:spcPct val="200000"/>
-              </a:lnSpc>
-              <a:buFont typeface="Times New Roman" panose="02020603050405020304" pitchFamily="18" charset="0"/>
-              <a:buChar char="-"/>
-            </a:pPr>
-            <a:r>
-              <a:rPr lang="ru-RU" sz="2600" b="1" dirty="0">
-                <a:solidFill>
-                  <a:schemeClr val="bg1"/>
-                </a:solidFill>
-                <a:latin typeface="Times New Roman" panose="02020603050405020304" pitchFamily="18" charset="0"/>
-                <a:cs typeface="Times New Roman" panose="02020603050405020304" pitchFamily="18" charset="0"/>
-              </a:rPr>
-              <a:t>Операционная система;</a:t>
-            </a:r>
-          </a:p>
-          <a:p>
-            <a:pPr marL="457200" indent="-457200">
-              <a:lnSpc>
-                <a:spcPct val="200000"/>
-              </a:lnSpc>
-              <a:buFont typeface="Times New Roman" panose="02020603050405020304" pitchFamily="18" charset="0"/>
-              <a:buChar char="-"/>
-            </a:pPr>
-            <a:r>
-              <a:rPr lang="ru-RU" sz="2600" b="1" dirty="0">
-                <a:solidFill>
-                  <a:schemeClr val="bg1"/>
-                </a:solidFill>
-                <a:latin typeface="Times New Roman" panose="02020603050405020304" pitchFamily="18" charset="0"/>
-                <a:cs typeface="Times New Roman" panose="02020603050405020304" pitchFamily="18" charset="0"/>
-              </a:rPr>
-              <a:t>Программное обеспечение;</a:t>
-            </a:r>
-          </a:p>
-          <a:p>
-            <a:pPr marL="457200" indent="-457200">
-              <a:lnSpc>
-                <a:spcPct val="200000"/>
-              </a:lnSpc>
-              <a:buFont typeface="Times New Roman" panose="02020603050405020304" pitchFamily="18" charset="0"/>
-              <a:buChar char="-"/>
-            </a:pPr>
-            <a:r>
-              <a:rPr lang="ru-RU" sz="2600" b="1" dirty="0">
-                <a:solidFill>
-                  <a:schemeClr val="bg1"/>
-                </a:solidFill>
-                <a:latin typeface="Times New Roman" panose="02020603050405020304" pitchFamily="18" charset="0"/>
-                <a:cs typeface="Times New Roman" panose="02020603050405020304" pitchFamily="18" charset="0"/>
-              </a:rPr>
-              <a:t>Сеть;</a:t>
-            </a:r>
-          </a:p>
-          <a:p>
-            <a:pPr marL="457200" indent="-457200">
-              <a:lnSpc>
-                <a:spcPct val="200000"/>
-              </a:lnSpc>
-              <a:buFont typeface="Times New Roman" panose="02020603050405020304" pitchFamily="18" charset="0"/>
-              <a:buChar char="-"/>
-            </a:pPr>
-            <a:r>
-              <a:rPr lang="ru-RU" sz="2600" b="1" dirty="0">
-                <a:solidFill>
-                  <a:schemeClr val="bg1"/>
-                </a:solidFill>
-                <a:latin typeface="Times New Roman" panose="02020603050405020304" pitchFamily="18" charset="0"/>
-                <a:cs typeface="Times New Roman" panose="02020603050405020304" pitchFamily="18" charset="0"/>
-              </a:rPr>
-              <a:t>Базы данных;</a:t>
-            </a:r>
-          </a:p>
-        </p:txBody>
-      </p:sp>
-      <p:pic>
-        <p:nvPicPr>
-          <p:cNvPr id="18" name="Рисунок 17">
-            <a:extLst>
-              <a:ext uri="{FF2B5EF4-FFF2-40B4-BE49-F238E27FC236}">
-                <a16:creationId xmlns:a16="http://schemas.microsoft.com/office/drawing/2014/main" id="{C0549EF5-46F2-484F-A3B0-53B671B04868}"/>
-              </a:ext>
-            </a:extLst>
-          </p:cNvPr>
-          <p:cNvPicPr>
-            <a:picLocks noChangeAspect="1"/>
-          </p:cNvPicPr>
-          <p:nvPr/>
-        </p:nvPicPr>
-        <p:blipFill>
-          <a:blip r:embed="rId3">
-            <a:extLst>
-              <a:ext uri="{28A0092B-C50C-407E-A947-70E740481C1C}">
-                <a14:useLocalDpi xmlns:a14="http://schemas.microsoft.com/office/drawing/2010/main" val="0"/>
-              </a:ext>
-            </a:extLst>
-          </a:blip>
-          <a:stretch>
-            <a:fillRect/>
-          </a:stretch>
-        </p:blipFill>
-        <p:spPr>
-          <a:xfrm>
-            <a:off x="2054940" y="1780423"/>
-            <a:ext cx="734177" cy="734177"/>
-          </a:xfrm>
-          <a:prstGeom prst="rect">
-            <a:avLst/>
-          </a:prstGeom>
-        </p:spPr>
-      </p:pic>
-      <p:pic>
-        <p:nvPicPr>
-          <p:cNvPr id="20" name="Рисунок 19">
-            <a:extLst>
-              <a:ext uri="{FF2B5EF4-FFF2-40B4-BE49-F238E27FC236}">
-                <a16:creationId xmlns:a16="http://schemas.microsoft.com/office/drawing/2014/main" id="{63496A4F-99B2-42EC-8E2C-2035CBAF9A47}"/>
-              </a:ext>
-            </a:extLst>
-          </p:cNvPr>
-          <p:cNvPicPr>
-            <a:picLocks noChangeAspect="1"/>
-          </p:cNvPicPr>
-          <p:nvPr/>
-        </p:nvPicPr>
-        <p:blipFill>
-          <a:blip r:embed="rId4">
-            <a:extLst>
-              <a:ext uri="{28A0092B-C50C-407E-A947-70E740481C1C}">
-                <a14:useLocalDpi xmlns:a14="http://schemas.microsoft.com/office/drawing/2010/main" val="0"/>
-              </a:ext>
-            </a:extLst>
-          </a:blip>
-          <a:stretch>
-            <a:fillRect/>
-          </a:stretch>
-        </p:blipFill>
-        <p:spPr>
-          <a:xfrm>
-            <a:off x="2054939" y="3373468"/>
-            <a:ext cx="734178" cy="734178"/>
-          </a:xfrm>
-          <a:prstGeom prst="rect">
-            <a:avLst/>
-          </a:prstGeom>
-        </p:spPr>
-      </p:pic>
-      <p:pic>
-        <p:nvPicPr>
-          <p:cNvPr id="22" name="Рисунок 21">
-            <a:extLst>
-              <a:ext uri="{FF2B5EF4-FFF2-40B4-BE49-F238E27FC236}">
-                <a16:creationId xmlns:a16="http://schemas.microsoft.com/office/drawing/2014/main" id="{1ED917CF-F5A0-4116-B385-776296A65FB9}"/>
-              </a:ext>
-            </a:extLst>
-          </p:cNvPr>
-          <p:cNvPicPr>
-            <a:picLocks noChangeAspect="1"/>
-          </p:cNvPicPr>
-          <p:nvPr/>
-        </p:nvPicPr>
-        <p:blipFill>
-          <a:blip r:embed="rId5">
-            <a:extLst>
-              <a:ext uri="{28A0092B-C50C-407E-A947-70E740481C1C}">
-                <a14:useLocalDpi xmlns:a14="http://schemas.microsoft.com/office/drawing/2010/main" val="0"/>
-              </a:ext>
-            </a:extLst>
-          </a:blip>
-          <a:stretch>
-            <a:fillRect/>
-          </a:stretch>
-        </p:blipFill>
-        <p:spPr>
-          <a:xfrm>
-            <a:off x="2054940" y="4966514"/>
-            <a:ext cx="734177" cy="734178"/>
-          </a:xfrm>
-          <a:prstGeom prst="rect">
-            <a:avLst/>
-          </a:prstGeom>
-        </p:spPr>
-      </p:pic>
-      <p:pic>
-        <p:nvPicPr>
-          <p:cNvPr id="24" name="Рисунок 23">
-            <a:extLst>
-              <a:ext uri="{FF2B5EF4-FFF2-40B4-BE49-F238E27FC236}">
-                <a16:creationId xmlns:a16="http://schemas.microsoft.com/office/drawing/2014/main" id="{F159F9F6-871E-4650-A1C6-3637FF96B550}"/>
-              </a:ext>
-            </a:extLst>
-          </p:cNvPr>
-          <p:cNvPicPr>
-            <a:picLocks noChangeAspect="1"/>
-          </p:cNvPicPr>
-          <p:nvPr/>
-        </p:nvPicPr>
-        <p:blipFill>
-          <a:blip r:embed="rId6">
-            <a:extLst>
-              <a:ext uri="{28A0092B-C50C-407E-A947-70E740481C1C}">
-                <a14:useLocalDpi xmlns:a14="http://schemas.microsoft.com/office/drawing/2010/main" val="0"/>
-              </a:ext>
-            </a:extLst>
-          </a:blip>
-          <a:stretch>
-            <a:fillRect/>
-          </a:stretch>
-        </p:blipFill>
-        <p:spPr>
-          <a:xfrm>
-            <a:off x="2054939" y="2576944"/>
-            <a:ext cx="734178" cy="734178"/>
-          </a:xfrm>
-          <a:prstGeom prst="rect">
-            <a:avLst/>
-          </a:prstGeom>
-        </p:spPr>
-      </p:pic>
-      <p:pic>
-        <p:nvPicPr>
-          <p:cNvPr id="26" name="Рисунок 25">
-            <a:extLst>
-              <a:ext uri="{FF2B5EF4-FFF2-40B4-BE49-F238E27FC236}">
-                <a16:creationId xmlns:a16="http://schemas.microsoft.com/office/drawing/2014/main" id="{E4CBAC90-CCB8-4B02-AE4F-123900F57A41}"/>
-              </a:ext>
-            </a:extLst>
-          </p:cNvPr>
-          <p:cNvPicPr>
-            <a:picLocks noChangeAspect="1"/>
-          </p:cNvPicPr>
-          <p:nvPr/>
-        </p:nvPicPr>
-        <p:blipFill>
-          <a:blip r:embed="rId7">
-            <a:extLst>
-              <a:ext uri="{28A0092B-C50C-407E-A947-70E740481C1C}">
-                <a14:useLocalDpi xmlns:a14="http://schemas.microsoft.com/office/drawing/2010/main" val="0"/>
-              </a:ext>
-            </a:extLst>
-          </a:blip>
-          <a:stretch>
-            <a:fillRect/>
-          </a:stretch>
-        </p:blipFill>
-        <p:spPr>
-          <a:xfrm>
-            <a:off x="2054939" y="4169991"/>
-            <a:ext cx="734178" cy="734178"/>
-          </a:xfrm>
-          <a:prstGeom prst="rect">
-            <a:avLst/>
-          </a:prstGeom>
-        </p:spPr>
-      </p:pic>
-    </p:spTree>
-    <p:extLst>
-      <p:ext uri="{BB962C8B-B14F-4D97-AF65-F5344CB8AC3E}">
-        <p14:creationId xmlns:p14="http://schemas.microsoft.com/office/powerpoint/2010/main" val="4008382231"/>
-      </p:ext>
-    </p:extLst>
-  </p:cSld>
-  <p:clrMapOvr>
-    <a:masterClrMapping/>
-  </p:clrMapOvr>
-</p:sld>
-</file>
-
-<file path=ppt/slides/slide20.xml><?xml version="1.0" encoding="utf-8"?>
-<p:sld xmlns:a="http://schemas.openxmlformats.org/drawingml/2006/main" xmlns:r="http://schemas.openxmlformats.org/officeDocument/2006/relationships" xmlns:p="http://schemas.openxmlformats.org/presentationml/2006/main">
-  <p:cSld>
-    <p:bg>
-      <p:bgPr>
-        <a:solidFill>
-          <a:srgbClr val="21BBEF"/>
-        </a:solidFill>
-        <a:effectLst/>
-      </p:bgPr>
-    </p:bg>
-    <p:spTree>
-      <p:nvGrpSpPr>
-        <p:cNvPr id="1" name=""/>
-        <p:cNvGrpSpPr/>
-        <p:nvPr/>
-      </p:nvGrpSpPr>
-      <p:grpSpPr>
-        <a:xfrm>
-          <a:off x="0" y="0"/>
-          <a:ext cx="0" cy="0"/>
-          <a:chOff x="0" y="0"/>
-          <a:chExt cx="0" cy="0"/>
-        </a:xfrm>
-      </p:grpSpPr>
-      <p:sp>
-        <p:nvSpPr>
-          <p:cNvPr id="7" name="TextBox 6">
-            <a:extLst>
-              <a:ext uri="{FF2B5EF4-FFF2-40B4-BE49-F238E27FC236}">
-                <a16:creationId xmlns:a16="http://schemas.microsoft.com/office/drawing/2014/main" id="{C62A69AA-1251-4A83-A350-CCD1F91EBDB1}"/>
-              </a:ext>
-            </a:extLst>
-          </p:cNvPr>
-          <p:cNvSpPr txBox="1"/>
-          <p:nvPr/>
-        </p:nvSpPr>
-        <p:spPr>
-          <a:xfrm>
-            <a:off x="1408997" y="367779"/>
-            <a:ext cx="9659141" cy="707886"/>
-          </a:xfrm>
-          <a:prstGeom prst="rect">
-            <a:avLst/>
-          </a:prstGeom>
-          <a:noFill/>
-        </p:spPr>
-        <p:txBody>
-          <a:bodyPr wrap="square">
-            <a:spAutoFit/>
-          </a:bodyPr>
-          <a:lstStyle/>
-          <a:p>
-            <a:pPr algn="ctr"/>
-            <a:r>
-              <a:rPr lang="en-US" sz="4000" b="1" dirty="0">
-                <a:solidFill>
-                  <a:schemeClr val="bg1"/>
-                </a:solidFill>
-                <a:latin typeface="Times New Roman" panose="02020603050405020304" pitchFamily="18" charset="0"/>
-                <a:cs typeface="Times New Roman" panose="02020603050405020304" pitchFamily="18" charset="0"/>
-              </a:rPr>
-              <a:t>CRM </a:t>
-            </a:r>
-            <a:r>
-              <a:rPr lang="ru-RU" sz="4000" b="1" dirty="0">
-                <a:solidFill>
-                  <a:schemeClr val="bg1"/>
-                </a:solidFill>
-                <a:latin typeface="Times New Roman" panose="02020603050405020304" pitchFamily="18" charset="0"/>
-                <a:cs typeface="Times New Roman" panose="02020603050405020304" pitchFamily="18" charset="0"/>
-              </a:rPr>
-              <a:t>- системы</a:t>
-            </a:r>
-          </a:p>
-        </p:txBody>
-      </p:sp>
-      <p:pic>
-        <p:nvPicPr>
-          <p:cNvPr id="4" name="Рисунок 3">
-            <a:extLst>
-              <a:ext uri="{FF2B5EF4-FFF2-40B4-BE49-F238E27FC236}">
-                <a16:creationId xmlns:a16="http://schemas.microsoft.com/office/drawing/2014/main" id="{767E34A1-CDCD-4799-894F-B76D5EEA8DAD}"/>
-              </a:ext>
-            </a:extLst>
-          </p:cNvPr>
-          <p:cNvPicPr>
-            <a:picLocks noChangeAspect="1"/>
-          </p:cNvPicPr>
-          <p:nvPr/>
-        </p:nvPicPr>
-        <p:blipFill>
-          <a:blip r:embed="rId2">
-            <a:extLst>
-              <a:ext uri="{28A0092B-C50C-407E-A947-70E740481C1C}">
-                <a14:useLocalDpi xmlns:a14="http://schemas.microsoft.com/office/drawing/2010/main" val="0"/>
-              </a:ext>
-            </a:extLst>
-          </a:blip>
-          <a:stretch>
-            <a:fillRect/>
-          </a:stretch>
-        </p:blipFill>
-        <p:spPr>
-          <a:xfrm>
-            <a:off x="1803488" y="1283897"/>
-            <a:ext cx="8585024" cy="5316583"/>
-          </a:xfrm>
-          <a:prstGeom prst="rect">
-            <a:avLst/>
-          </a:prstGeom>
-        </p:spPr>
-      </p:pic>
-    </p:spTree>
-    <p:extLst>
-      <p:ext uri="{BB962C8B-B14F-4D97-AF65-F5344CB8AC3E}">
-        <p14:creationId xmlns:p14="http://schemas.microsoft.com/office/powerpoint/2010/main" val="3445794036"/>
-      </p:ext>
-    </p:extLst>
-  </p:cSld>
-  <p:clrMapOvr>
-    <a:masterClrMapping/>
-  </p:clrMapOvr>
-</p:sld>
-</file>
-
-<file path=ppt/slides/slide21.xml><?xml version="1.0" encoding="utf-8"?>
-<p:sld xmlns:a="http://schemas.openxmlformats.org/drawingml/2006/main" xmlns:r="http://schemas.openxmlformats.org/officeDocument/2006/relationships" xmlns:p="http://schemas.openxmlformats.org/presentationml/2006/main">
-  <p:cSld>
-    <p:bg>
-      <p:bgPr>
-        <a:blipFill dpi="0" rotWithShape="1">
-          <a:blip r:embed="rId2">
-            <a:lum/>
-          </a:blip>
-          <a:srcRect/>
-          <a:stretch>
-            <a:fillRect/>
-          </a:stretch>
-        </a:blipFill>
-        <a:effectLst/>
-      </p:bgPr>
-    </p:bg>
-    <p:spTree>
-      <p:nvGrpSpPr>
-        <p:cNvPr id="1" name=""/>
-        <p:cNvGrpSpPr/>
-        <p:nvPr/>
-      </p:nvGrpSpPr>
-      <p:grpSpPr>
-        <a:xfrm>
-          <a:off x="0" y="0"/>
-          <a:ext cx="0" cy="0"/>
-          <a:chOff x="0" y="0"/>
-          <a:chExt cx="0" cy="0"/>
-        </a:xfrm>
-      </p:grpSpPr>
-    </p:spTree>
-    <p:extLst>
-      <p:ext uri="{BB962C8B-B14F-4D97-AF65-F5344CB8AC3E}">
-        <p14:creationId xmlns:p14="http://schemas.microsoft.com/office/powerpoint/2010/main" val="1912788371"/>
-      </p:ext>
-    </p:extLst>
-  </p:cSld>
-  <p:clrMapOvr>
-    <a:masterClrMapping/>
-  </p:clrMapOvr>
-</p:sld>
-</file>
-
-<file path=ppt/slides/slide3.xml><?xml version="1.0" encoding="utf-8"?>
-<p:sld xmlns:a="http://schemas.openxmlformats.org/drawingml/2006/main" xmlns:r="http://schemas.openxmlformats.org/officeDocument/2006/relationships" xmlns:p="http://schemas.openxmlformats.org/presentationml/2006/main">
-  <p:cSld>
-    <p:bg>
-      <p:bgPr>
-        <a:solidFill>
-          <a:srgbClr val="002060"/>
-        </a:solidFill>
-        <a:effectLst/>
-      </p:bgPr>
-    </p:bg>
-    <p:spTree>
-      <p:nvGrpSpPr>
-        <p:cNvPr id="1" name=""/>
-        <p:cNvGrpSpPr/>
-        <p:nvPr/>
-      </p:nvGrpSpPr>
-      <p:grpSpPr>
-        <a:xfrm>
-          <a:off x="0" y="0"/>
-          <a:ext cx="0" cy="0"/>
-          <a:chOff x="0" y="0"/>
-          <a:chExt cx="0" cy="0"/>
-        </a:xfrm>
-      </p:grpSpPr>
-      <p:sp>
-        <p:nvSpPr>
-          <p:cNvPr id="7" name="TextBox 6">
-            <a:extLst>
-              <a:ext uri="{FF2B5EF4-FFF2-40B4-BE49-F238E27FC236}">
-                <a16:creationId xmlns:a16="http://schemas.microsoft.com/office/drawing/2014/main" id="{C62A69AA-1251-4A83-A350-CCD1F91EBDB1}"/>
-              </a:ext>
-            </a:extLst>
-          </p:cNvPr>
-          <p:cNvSpPr txBox="1"/>
-          <p:nvPr/>
-        </p:nvSpPr>
-        <p:spPr>
-          <a:xfrm>
-            <a:off x="4366779" y="449422"/>
-            <a:ext cx="3458442" cy="707886"/>
-          </a:xfrm>
-          <a:prstGeom prst="rect">
-            <a:avLst/>
-          </a:prstGeom>
-          <a:noFill/>
-        </p:spPr>
-        <p:txBody>
-          <a:bodyPr wrap="square">
-            <a:spAutoFit/>
-          </a:bodyPr>
-          <a:lstStyle/>
-          <a:p>
-            <a:pPr algn="ctr"/>
-            <a:r>
-              <a:rPr lang="ru-RU" sz="4000" b="1" dirty="0">
-                <a:solidFill>
-                  <a:schemeClr val="bg1"/>
-                </a:solidFill>
-                <a:latin typeface="Times New Roman" panose="02020603050405020304" pitchFamily="18" charset="0"/>
-                <a:cs typeface="Times New Roman" panose="02020603050405020304" pitchFamily="18" charset="0"/>
-              </a:rPr>
-              <a:t>Процессоры</a:t>
-            </a:r>
-          </a:p>
-        </p:txBody>
-      </p:sp>
-      <p:pic>
-        <p:nvPicPr>
-          <p:cNvPr id="18" name="Рисунок 17">
-            <a:extLst>
-              <a:ext uri="{FF2B5EF4-FFF2-40B4-BE49-F238E27FC236}">
-                <a16:creationId xmlns:a16="http://schemas.microsoft.com/office/drawing/2014/main" id="{C0549EF5-46F2-484F-A3B0-53B671B04868}"/>
-              </a:ext>
-            </a:extLst>
-          </p:cNvPr>
-          <p:cNvPicPr>
-            <a:picLocks noChangeAspect="1"/>
-          </p:cNvPicPr>
-          <p:nvPr/>
-        </p:nvPicPr>
-        <p:blipFill>
-          <a:blip r:embed="rId2">
-            <a:extLst>
-              <a:ext uri="{28A0092B-C50C-407E-A947-70E740481C1C}">
-                <a14:useLocalDpi xmlns:a14="http://schemas.microsoft.com/office/drawing/2010/main" val="0"/>
-              </a:ext>
-            </a:extLst>
-          </a:blip>
-          <a:stretch>
-            <a:fillRect/>
-          </a:stretch>
-        </p:blipFill>
-        <p:spPr>
-          <a:xfrm>
-            <a:off x="10918385" y="423131"/>
-            <a:ext cx="734177" cy="734177"/>
-          </a:xfrm>
-          <a:prstGeom prst="rect">
-            <a:avLst/>
-          </a:prstGeom>
-        </p:spPr>
-      </p:pic>
-      <p:pic>
-        <p:nvPicPr>
-          <p:cNvPr id="3" name="Рисунок 2">
-            <a:extLst>
-              <a:ext uri="{FF2B5EF4-FFF2-40B4-BE49-F238E27FC236}">
-                <a16:creationId xmlns:a16="http://schemas.microsoft.com/office/drawing/2014/main" id="{89BE05A7-BC0F-47B5-A017-2711F95BDCA7}"/>
-              </a:ext>
-            </a:extLst>
-          </p:cNvPr>
-          <p:cNvPicPr>
-            <a:picLocks noChangeAspect="1"/>
-          </p:cNvPicPr>
-          <p:nvPr/>
-        </p:nvPicPr>
-        <p:blipFill>
-          <a:blip r:embed="rId3">
-            <a:extLst>
-              <a:ext uri="{28A0092B-C50C-407E-A947-70E740481C1C}">
-                <a14:useLocalDpi xmlns:a14="http://schemas.microsoft.com/office/drawing/2010/main" val="0"/>
-              </a:ext>
-            </a:extLst>
-          </a:blip>
-          <a:stretch>
-            <a:fillRect/>
-          </a:stretch>
-        </p:blipFill>
-        <p:spPr>
-          <a:xfrm>
-            <a:off x="371074" y="1903613"/>
-            <a:ext cx="6925650" cy="4071159"/>
-          </a:xfrm>
-          <a:prstGeom prst="rect">
-            <a:avLst/>
-          </a:prstGeom>
-        </p:spPr>
-      </p:pic>
-      <p:sp>
-        <p:nvSpPr>
-          <p:cNvPr id="12" name="TextBox 11">
-            <a:extLst>
-              <a:ext uri="{FF2B5EF4-FFF2-40B4-BE49-F238E27FC236}">
-                <a16:creationId xmlns:a16="http://schemas.microsoft.com/office/drawing/2014/main" id="{9EDCB3A3-518E-4B76-BA3C-EE6038D73C68}"/>
-              </a:ext>
-            </a:extLst>
-          </p:cNvPr>
-          <p:cNvSpPr txBox="1"/>
-          <p:nvPr/>
-        </p:nvSpPr>
-        <p:spPr>
-          <a:xfrm>
-            <a:off x="7656857" y="2849185"/>
-            <a:ext cx="3995705" cy="1692771"/>
-          </a:xfrm>
-          <a:prstGeom prst="rect">
-            <a:avLst/>
-          </a:prstGeom>
-          <a:noFill/>
-        </p:spPr>
-        <p:txBody>
-          <a:bodyPr wrap="square">
-            <a:spAutoFit/>
-          </a:bodyPr>
-          <a:lstStyle/>
-          <a:p>
-            <a:r>
-              <a:rPr lang="ru-RU" sz="2600" dirty="0">
-                <a:solidFill>
-                  <a:schemeClr val="bg1"/>
-                </a:solidFill>
-                <a:effectLst/>
-                <a:latin typeface="Times New Roman" panose="02020603050405020304" pitchFamily="18" charset="0"/>
-                <a:ea typeface="Calibri" panose="020F0502020204030204" pitchFamily="34" charset="0"/>
-                <a:cs typeface="Times New Roman" panose="02020603050405020304" pitchFamily="18" charset="0"/>
-              </a:rPr>
-              <a:t>Процессор - это сердце компьютера, которое выполняет все операции и команды</a:t>
-            </a:r>
-            <a:endParaRPr lang="ru-RU" sz="2600" dirty="0">
-              <a:solidFill>
-                <a:schemeClr val="bg1"/>
-              </a:solidFill>
-              <a:latin typeface="Times New Roman" panose="02020603050405020304" pitchFamily="18" charset="0"/>
-              <a:cs typeface="Times New Roman" panose="02020603050405020304" pitchFamily="18" charset="0"/>
-            </a:endParaRPr>
-          </a:p>
-        </p:txBody>
-      </p:sp>
-    </p:spTree>
-    <p:extLst>
-      <p:ext uri="{BB962C8B-B14F-4D97-AF65-F5344CB8AC3E}">
-        <p14:creationId xmlns:p14="http://schemas.microsoft.com/office/powerpoint/2010/main" val="2279836659"/>
-      </p:ext>
-    </p:extLst>
-  </p:cSld>
-  <p:clrMapOvr>
-    <a:masterClrMapping/>
-  </p:clrMapOvr>
-</p:sld>
-</file>
-
-<file path=ppt/slides/slide4.xml><?xml version="1.0" encoding="utf-8"?>
-<p:sld xmlns:a="http://schemas.openxmlformats.org/drawingml/2006/main" xmlns:r="http://schemas.openxmlformats.org/officeDocument/2006/relationships" xmlns:p="http://schemas.openxmlformats.org/presentationml/2006/main">
-  <p:cSld>
-    <p:bg>
-      <p:bgPr>
-        <a:solidFill>
-          <a:srgbClr val="002060"/>
-        </a:solidFill>
-        <a:effectLst/>
-      </p:bgPr>
-    </p:bg>
-    <p:spTree>
-      <p:nvGrpSpPr>
-        <p:cNvPr id="1" name=""/>
-        <p:cNvGrpSpPr/>
-        <p:nvPr/>
-      </p:nvGrpSpPr>
-      <p:grpSpPr>
-        <a:xfrm>
-          <a:off x="0" y="0"/>
-          <a:ext cx="0" cy="0"/>
-          <a:chOff x="0" y="0"/>
-          <a:chExt cx="0" cy="0"/>
-        </a:xfrm>
-      </p:grpSpPr>
-      <p:sp>
-        <p:nvSpPr>
-          <p:cNvPr id="7" name="TextBox 6">
-            <a:extLst>
-              <a:ext uri="{FF2B5EF4-FFF2-40B4-BE49-F238E27FC236}">
-                <a16:creationId xmlns:a16="http://schemas.microsoft.com/office/drawing/2014/main" id="{C62A69AA-1251-4A83-A350-CCD1F91EBDB1}"/>
-              </a:ext>
-            </a:extLst>
-          </p:cNvPr>
-          <p:cNvSpPr txBox="1"/>
-          <p:nvPr/>
-        </p:nvSpPr>
-        <p:spPr>
-          <a:xfrm>
-            <a:off x="3148780" y="449422"/>
-            <a:ext cx="5894439" cy="707886"/>
-          </a:xfrm>
-          <a:prstGeom prst="rect">
-            <a:avLst/>
-          </a:prstGeom>
-          <a:noFill/>
-        </p:spPr>
-        <p:txBody>
-          <a:bodyPr wrap="square">
-            <a:spAutoFit/>
-          </a:bodyPr>
-          <a:lstStyle/>
-          <a:p>
-            <a:pPr algn="ctr"/>
-            <a:r>
-              <a:rPr lang="ru-RU" sz="4000" b="1" dirty="0">
-                <a:solidFill>
-                  <a:schemeClr val="bg1"/>
-                </a:solidFill>
-                <a:latin typeface="Times New Roman" panose="02020603050405020304" pitchFamily="18" charset="0"/>
-                <a:cs typeface="Times New Roman" panose="02020603050405020304" pitchFamily="18" charset="0"/>
-              </a:rPr>
-              <a:t>Операционные системы</a:t>
-            </a:r>
-          </a:p>
-        </p:txBody>
-      </p:sp>
-      <p:sp>
-        <p:nvSpPr>
-          <p:cNvPr id="12" name="TextBox 11">
-            <a:extLst>
-              <a:ext uri="{FF2B5EF4-FFF2-40B4-BE49-F238E27FC236}">
-                <a16:creationId xmlns:a16="http://schemas.microsoft.com/office/drawing/2014/main" id="{9EDCB3A3-518E-4B76-BA3C-EE6038D73C68}"/>
-              </a:ext>
-            </a:extLst>
-          </p:cNvPr>
-          <p:cNvSpPr txBox="1"/>
-          <p:nvPr/>
-        </p:nvSpPr>
-        <p:spPr>
-          <a:xfrm>
-            <a:off x="7656857" y="2503874"/>
-            <a:ext cx="4092691" cy="2400657"/>
-          </a:xfrm>
-          <a:prstGeom prst="rect">
-            <a:avLst/>
-          </a:prstGeom>
-          <a:noFill/>
-        </p:spPr>
-        <p:txBody>
-          <a:bodyPr wrap="square">
-            <a:spAutoFit/>
-          </a:bodyPr>
-          <a:lstStyle/>
-          <a:p>
-            <a:r>
-              <a:rPr lang="ru-RU" sz="2500" dirty="0">
-                <a:solidFill>
-                  <a:schemeClr val="bg1"/>
-                </a:solidFill>
-                <a:effectLst/>
-                <a:latin typeface="Times New Roman" panose="02020603050405020304" pitchFamily="18" charset="0"/>
-                <a:ea typeface="Calibri" panose="020F0502020204030204" pitchFamily="34" charset="0"/>
-                <a:cs typeface="Times New Roman" panose="02020603050405020304" pitchFamily="18" charset="0"/>
-              </a:rPr>
-              <a:t>Операционная система (ОС) - это программное обеспечение, которое управляет работой компьютера и предоставляет интерфейс для пользователя</a:t>
-            </a:r>
-            <a:endParaRPr lang="ru-RU" sz="2500" dirty="0">
-              <a:solidFill>
-                <a:schemeClr val="bg1"/>
-              </a:solidFill>
-              <a:latin typeface="Times New Roman" panose="02020603050405020304" pitchFamily="18" charset="0"/>
-              <a:cs typeface="Times New Roman" panose="02020603050405020304" pitchFamily="18" charset="0"/>
-            </a:endParaRPr>
-          </a:p>
-        </p:txBody>
-      </p:sp>
-      <p:pic>
-        <p:nvPicPr>
-          <p:cNvPr id="6" name="Рисунок 5">
-            <a:extLst>
-              <a:ext uri="{FF2B5EF4-FFF2-40B4-BE49-F238E27FC236}">
-                <a16:creationId xmlns:a16="http://schemas.microsoft.com/office/drawing/2014/main" id="{9BA208D2-7078-4628-87C5-C3DF5368C00C}"/>
-              </a:ext>
-            </a:extLst>
-          </p:cNvPr>
-          <p:cNvPicPr>
-            <a:picLocks noChangeAspect="1"/>
-          </p:cNvPicPr>
-          <p:nvPr/>
-        </p:nvPicPr>
-        <p:blipFill>
-          <a:blip r:embed="rId2">
-            <a:extLst>
-              <a:ext uri="{28A0092B-C50C-407E-A947-70E740481C1C}">
-                <a14:useLocalDpi xmlns:a14="http://schemas.microsoft.com/office/drawing/2010/main" val="0"/>
-              </a:ext>
-            </a:extLst>
-          </a:blip>
-          <a:stretch>
-            <a:fillRect/>
-          </a:stretch>
-        </p:blipFill>
-        <p:spPr>
-          <a:xfrm>
-            <a:off x="10918384" y="423130"/>
-            <a:ext cx="734178" cy="734178"/>
-          </a:xfrm>
-          <a:prstGeom prst="rect">
-            <a:avLst/>
-          </a:prstGeom>
-        </p:spPr>
-      </p:pic>
-      <p:pic>
-        <p:nvPicPr>
-          <p:cNvPr id="11" name="Рисунок 10">
-            <a:extLst>
-              <a:ext uri="{FF2B5EF4-FFF2-40B4-BE49-F238E27FC236}">
-                <a16:creationId xmlns:a16="http://schemas.microsoft.com/office/drawing/2014/main" id="{4CA94717-916C-42CF-95DB-1C059CB972BD}"/>
-              </a:ext>
-            </a:extLst>
-          </p:cNvPr>
-          <p:cNvPicPr>
-            <a:picLocks noChangeAspect="1"/>
-          </p:cNvPicPr>
-          <p:nvPr/>
-        </p:nvPicPr>
-        <p:blipFill>
-          <a:blip r:embed="rId3">
-            <a:extLst>
-              <a:ext uri="{28A0092B-C50C-407E-A947-70E740481C1C}">
-                <a14:useLocalDpi xmlns:a14="http://schemas.microsoft.com/office/drawing/2010/main" val="0"/>
-              </a:ext>
-            </a:extLst>
-          </a:blip>
-          <a:stretch>
-            <a:fillRect/>
-          </a:stretch>
-        </p:blipFill>
-        <p:spPr>
-          <a:xfrm>
-            <a:off x="371073" y="1353306"/>
-            <a:ext cx="6925649" cy="5194237"/>
-          </a:xfrm>
-          <a:prstGeom prst="rect">
-            <a:avLst/>
-          </a:prstGeom>
-        </p:spPr>
-      </p:pic>
-    </p:spTree>
-    <p:extLst>
-      <p:ext uri="{BB962C8B-B14F-4D97-AF65-F5344CB8AC3E}">
-        <p14:creationId xmlns:p14="http://schemas.microsoft.com/office/powerpoint/2010/main" val="3060014185"/>
-      </p:ext>
-    </p:extLst>
-  </p:cSld>
-  <p:clrMapOvr>
-    <a:masterClrMapping/>
-  </p:clrMapOvr>
-</p:sld>
-</file>
-
-<file path=ppt/slides/slide5.xml><?xml version="1.0" encoding="utf-8"?>
-<p:sld xmlns:a="http://schemas.openxmlformats.org/drawingml/2006/main" xmlns:r="http://schemas.openxmlformats.org/officeDocument/2006/relationships" xmlns:p="http://schemas.openxmlformats.org/presentationml/2006/main">
-  <p:cSld>
-    <p:bg>
-      <p:bgPr>
-        <a:solidFill>
-          <a:srgbClr val="002060"/>
-        </a:solidFill>
-        <a:effectLst/>
-      </p:bgPr>
-    </p:bg>
-    <p:spTree>
-      <p:nvGrpSpPr>
-        <p:cNvPr id="1" name=""/>
-        <p:cNvGrpSpPr/>
-        <p:nvPr/>
-      </p:nvGrpSpPr>
-      <p:grpSpPr>
-        <a:xfrm>
-          <a:off x="0" y="0"/>
-          <a:ext cx="0" cy="0"/>
-          <a:chOff x="0" y="0"/>
-          <a:chExt cx="0" cy="0"/>
-        </a:xfrm>
-      </p:grpSpPr>
-      <p:sp>
-        <p:nvSpPr>
-          <p:cNvPr id="7" name="TextBox 6">
-            <a:extLst>
-              <a:ext uri="{FF2B5EF4-FFF2-40B4-BE49-F238E27FC236}">
-                <a16:creationId xmlns:a16="http://schemas.microsoft.com/office/drawing/2014/main" id="{C62A69AA-1251-4A83-A350-CCD1F91EBDB1}"/>
-              </a:ext>
-            </a:extLst>
-          </p:cNvPr>
-          <p:cNvSpPr txBox="1"/>
-          <p:nvPr/>
-        </p:nvSpPr>
-        <p:spPr>
-          <a:xfrm>
-            <a:off x="2867332" y="449422"/>
-            <a:ext cx="6457336" cy="707886"/>
-          </a:xfrm>
-          <a:prstGeom prst="rect">
-            <a:avLst/>
-          </a:prstGeom>
-          <a:noFill/>
-        </p:spPr>
-        <p:txBody>
-          <a:bodyPr wrap="square">
-            <a:spAutoFit/>
-          </a:bodyPr>
-          <a:lstStyle/>
-          <a:p>
-            <a:pPr algn="ctr"/>
-            <a:r>
-              <a:rPr lang="ru-RU" sz="4000" b="1" dirty="0">
-                <a:solidFill>
-                  <a:schemeClr val="bg1"/>
-                </a:solidFill>
-                <a:latin typeface="Times New Roman" panose="02020603050405020304" pitchFamily="18" charset="0"/>
-                <a:cs typeface="Times New Roman" panose="02020603050405020304" pitchFamily="18" charset="0"/>
-              </a:rPr>
-              <a:t>Программное обеспечение</a:t>
-            </a:r>
-          </a:p>
-        </p:txBody>
-      </p:sp>
-      <p:sp>
-        <p:nvSpPr>
-          <p:cNvPr id="12" name="TextBox 11">
-            <a:extLst>
-              <a:ext uri="{FF2B5EF4-FFF2-40B4-BE49-F238E27FC236}">
-                <a16:creationId xmlns:a16="http://schemas.microsoft.com/office/drawing/2014/main" id="{9EDCB3A3-518E-4B76-BA3C-EE6038D73C68}"/>
-              </a:ext>
-            </a:extLst>
-          </p:cNvPr>
-          <p:cNvSpPr txBox="1"/>
-          <p:nvPr/>
-        </p:nvSpPr>
-        <p:spPr>
-          <a:xfrm>
-            <a:off x="7656857" y="2421032"/>
-            <a:ext cx="4164071" cy="2015936"/>
-          </a:xfrm>
-          <a:prstGeom prst="rect">
-            <a:avLst/>
-          </a:prstGeom>
-          <a:noFill/>
-        </p:spPr>
-        <p:txBody>
-          <a:bodyPr wrap="square">
-            <a:spAutoFit/>
-          </a:bodyPr>
-          <a:lstStyle/>
-          <a:p>
-            <a:r>
-              <a:rPr lang="ru-RU" sz="2500" dirty="0">
-                <a:solidFill>
-                  <a:schemeClr val="bg1"/>
-                </a:solidFill>
-                <a:effectLst/>
-                <a:latin typeface="Times New Roman" panose="02020603050405020304" pitchFamily="18" charset="0"/>
-                <a:ea typeface="Calibri" panose="020F0502020204030204" pitchFamily="34" charset="0"/>
-                <a:cs typeface="Times New Roman" panose="02020603050405020304" pitchFamily="18" charset="0"/>
-              </a:rPr>
-              <a:t>Программное обеспечение - это набор программ, которые помогают пользователям выполнять различные задачи на компьютере</a:t>
-            </a:r>
-            <a:endParaRPr lang="ru-RU" sz="2500" dirty="0">
-              <a:solidFill>
-                <a:schemeClr val="bg1"/>
-              </a:solidFill>
-              <a:latin typeface="Times New Roman" panose="02020603050405020304" pitchFamily="18" charset="0"/>
-              <a:cs typeface="Times New Roman" panose="02020603050405020304" pitchFamily="18" charset="0"/>
-            </a:endParaRPr>
-          </a:p>
-        </p:txBody>
-      </p:sp>
-      <p:pic>
-        <p:nvPicPr>
-          <p:cNvPr id="3" name="Рисунок 2">
-            <a:extLst>
-              <a:ext uri="{FF2B5EF4-FFF2-40B4-BE49-F238E27FC236}">
-                <a16:creationId xmlns:a16="http://schemas.microsoft.com/office/drawing/2014/main" id="{B85CF8DF-E96F-4A9C-98B1-867BC1B031C2}"/>
-              </a:ext>
-            </a:extLst>
-          </p:cNvPr>
-          <p:cNvPicPr>
-            <a:picLocks noChangeAspect="1"/>
-          </p:cNvPicPr>
-          <p:nvPr/>
-        </p:nvPicPr>
-        <p:blipFill>
-          <a:blip r:embed="rId2">
-            <a:extLst>
-              <a:ext uri="{28A0092B-C50C-407E-A947-70E740481C1C}">
-                <a14:useLocalDpi xmlns:a14="http://schemas.microsoft.com/office/drawing/2010/main" val="0"/>
-              </a:ext>
-            </a:extLst>
-          </a:blip>
-          <a:stretch>
-            <a:fillRect/>
-          </a:stretch>
-        </p:blipFill>
-        <p:spPr>
-          <a:xfrm>
-            <a:off x="371072" y="1395652"/>
-            <a:ext cx="6925649" cy="4617100"/>
-          </a:xfrm>
-          <a:prstGeom prst="rect">
-            <a:avLst/>
-          </a:prstGeom>
-        </p:spPr>
-      </p:pic>
-      <p:pic>
-        <p:nvPicPr>
-          <p:cNvPr id="8" name="Рисунок 7">
-            <a:extLst>
-              <a:ext uri="{FF2B5EF4-FFF2-40B4-BE49-F238E27FC236}">
-                <a16:creationId xmlns:a16="http://schemas.microsoft.com/office/drawing/2014/main" id="{7A4F39AD-F157-4543-978C-2D12CE79E6A3}"/>
-              </a:ext>
-            </a:extLst>
-          </p:cNvPr>
-          <p:cNvPicPr>
-            <a:picLocks noChangeAspect="1"/>
-          </p:cNvPicPr>
-          <p:nvPr/>
-        </p:nvPicPr>
-        <p:blipFill>
-          <a:blip r:embed="rId3">
-            <a:extLst>
-              <a:ext uri="{28A0092B-C50C-407E-A947-70E740481C1C}">
-                <a14:useLocalDpi xmlns:a14="http://schemas.microsoft.com/office/drawing/2010/main" val="0"/>
-              </a:ext>
-            </a:extLst>
-          </a:blip>
-          <a:stretch>
-            <a:fillRect/>
-          </a:stretch>
-        </p:blipFill>
-        <p:spPr>
-          <a:xfrm>
-            <a:off x="10918384" y="423130"/>
-            <a:ext cx="734178" cy="734178"/>
-          </a:xfrm>
-          <a:prstGeom prst="rect">
-            <a:avLst/>
-          </a:prstGeom>
-        </p:spPr>
-      </p:pic>
-    </p:spTree>
-    <p:extLst>
-      <p:ext uri="{BB962C8B-B14F-4D97-AF65-F5344CB8AC3E}">
-        <p14:creationId xmlns:p14="http://schemas.microsoft.com/office/powerpoint/2010/main" val="1582904988"/>
-      </p:ext>
-    </p:extLst>
-  </p:cSld>
-  <p:clrMapOvr>
-    <a:masterClrMapping/>
-  </p:clrMapOvr>
-</p:sld>
-</file>
-
-<file path=ppt/slides/slide6.xml><?xml version="1.0" encoding="utf-8"?>
-<p:sld xmlns:a="http://schemas.openxmlformats.org/drawingml/2006/main" xmlns:r="http://schemas.openxmlformats.org/officeDocument/2006/relationships" xmlns:p="http://schemas.openxmlformats.org/presentationml/2006/main">
-  <p:cSld>
-    <p:bg>
-      <p:bgPr>
-        <a:solidFill>
-          <a:srgbClr val="220057"/>
-        </a:solidFill>
-        <a:effectLst/>
-      </p:bgPr>
-    </p:bg>
-    <p:spTree>
-      <p:nvGrpSpPr>
-        <p:cNvPr id="1" name=""/>
-        <p:cNvGrpSpPr/>
-        <p:nvPr/>
-      </p:nvGrpSpPr>
-      <p:grpSpPr>
-        <a:xfrm>
-          <a:off x="0" y="0"/>
-          <a:ext cx="0" cy="0"/>
-          <a:chOff x="0" y="0"/>
-          <a:chExt cx="0" cy="0"/>
-        </a:xfrm>
-      </p:grpSpPr>
-      <p:sp>
-        <p:nvSpPr>
-          <p:cNvPr id="7" name="TextBox 6">
-            <a:extLst>
-              <a:ext uri="{FF2B5EF4-FFF2-40B4-BE49-F238E27FC236}">
-                <a16:creationId xmlns:a16="http://schemas.microsoft.com/office/drawing/2014/main" id="{C62A69AA-1251-4A83-A350-CCD1F91EBDB1}"/>
-              </a:ext>
-            </a:extLst>
-          </p:cNvPr>
-          <p:cNvSpPr txBox="1"/>
-          <p:nvPr/>
-        </p:nvSpPr>
-        <p:spPr>
-          <a:xfrm>
-            <a:off x="4281026" y="449422"/>
-            <a:ext cx="3629947" cy="707886"/>
-          </a:xfrm>
-          <a:prstGeom prst="rect">
-            <a:avLst/>
-          </a:prstGeom>
-          <a:noFill/>
-        </p:spPr>
-        <p:txBody>
-          <a:bodyPr wrap="square">
-            <a:spAutoFit/>
-          </a:bodyPr>
-          <a:lstStyle/>
-          <a:p>
-            <a:pPr algn="ctr"/>
-            <a:r>
-              <a:rPr lang="ru-RU" sz="4000" b="1" dirty="0">
-                <a:solidFill>
-                  <a:schemeClr val="bg1"/>
-                </a:solidFill>
-                <a:latin typeface="Times New Roman" panose="02020603050405020304" pitchFamily="18" charset="0"/>
-                <a:cs typeface="Times New Roman" panose="02020603050405020304" pitchFamily="18" charset="0"/>
-              </a:rPr>
-              <a:t>База данных</a:t>
-            </a:r>
-          </a:p>
-        </p:txBody>
-      </p:sp>
-      <p:sp>
-        <p:nvSpPr>
-          <p:cNvPr id="12" name="TextBox 11">
-            <a:extLst>
-              <a:ext uri="{FF2B5EF4-FFF2-40B4-BE49-F238E27FC236}">
-                <a16:creationId xmlns:a16="http://schemas.microsoft.com/office/drawing/2014/main" id="{9EDCB3A3-518E-4B76-BA3C-EE6038D73C68}"/>
-              </a:ext>
-            </a:extLst>
-          </p:cNvPr>
-          <p:cNvSpPr txBox="1"/>
-          <p:nvPr/>
-        </p:nvSpPr>
-        <p:spPr>
-          <a:xfrm>
-            <a:off x="7637192" y="2766156"/>
-            <a:ext cx="4279504" cy="2092881"/>
-          </a:xfrm>
-          <a:prstGeom prst="rect">
-            <a:avLst/>
-          </a:prstGeom>
-          <a:noFill/>
-        </p:spPr>
-        <p:txBody>
-          <a:bodyPr wrap="square">
-            <a:spAutoFit/>
-          </a:bodyPr>
-          <a:lstStyle/>
-          <a:p>
-            <a:r>
-              <a:rPr lang="ru-RU" sz="2600" dirty="0">
-                <a:solidFill>
-                  <a:schemeClr val="bg1"/>
-                </a:solidFill>
-                <a:effectLst/>
-                <a:latin typeface="Times New Roman" panose="02020603050405020304" pitchFamily="18" charset="0"/>
-                <a:ea typeface="Calibri" panose="020F0502020204030204" pitchFamily="34" charset="0"/>
-                <a:cs typeface="Times New Roman" panose="02020603050405020304" pitchFamily="18" charset="0"/>
-              </a:rPr>
-              <a:t>База данных - это организованная коллекция данных, которая может быть использована для хранения и извлечения информации</a:t>
-            </a:r>
-            <a:endParaRPr lang="ru-RU" sz="2600" dirty="0">
-              <a:solidFill>
-                <a:schemeClr val="bg1"/>
-              </a:solidFill>
-              <a:latin typeface="Times New Roman" panose="02020603050405020304" pitchFamily="18" charset="0"/>
-              <a:cs typeface="Times New Roman" panose="02020603050405020304" pitchFamily="18" charset="0"/>
-            </a:endParaRPr>
-          </a:p>
-        </p:txBody>
-      </p:sp>
-      <p:pic>
-        <p:nvPicPr>
-          <p:cNvPr id="11" name="Рисунок 10">
-            <a:extLst>
-              <a:ext uri="{FF2B5EF4-FFF2-40B4-BE49-F238E27FC236}">
-                <a16:creationId xmlns:a16="http://schemas.microsoft.com/office/drawing/2014/main" id="{DE85F369-CA0D-463B-9DF0-1B696BFCF1C0}"/>
-              </a:ext>
-            </a:extLst>
-          </p:cNvPr>
-          <p:cNvPicPr>
-            <a:picLocks noChangeAspect="1"/>
-          </p:cNvPicPr>
-          <p:nvPr/>
-        </p:nvPicPr>
-        <p:blipFill>
-          <a:blip r:embed="rId2">
-            <a:extLst>
-              <a:ext uri="{28A0092B-C50C-407E-A947-70E740481C1C}">
-                <a14:useLocalDpi xmlns:a14="http://schemas.microsoft.com/office/drawing/2010/main" val="0"/>
-              </a:ext>
-            </a:extLst>
-          </a:blip>
-          <a:stretch>
-            <a:fillRect/>
-          </a:stretch>
-        </p:blipFill>
-        <p:spPr>
-          <a:xfrm>
-            <a:off x="371072" y="1913679"/>
-            <a:ext cx="6930358" cy="3797836"/>
-          </a:xfrm>
-          <a:prstGeom prst="rect">
-            <a:avLst/>
-          </a:prstGeom>
-        </p:spPr>
-      </p:pic>
-      <p:pic>
-        <p:nvPicPr>
-          <p:cNvPr id="13" name="Рисунок 12">
-            <a:extLst>
-              <a:ext uri="{FF2B5EF4-FFF2-40B4-BE49-F238E27FC236}">
-                <a16:creationId xmlns:a16="http://schemas.microsoft.com/office/drawing/2014/main" id="{E7C381EA-5C81-4BA6-A7FC-E4FBE978C07B}"/>
-              </a:ext>
-            </a:extLst>
-          </p:cNvPr>
-          <p:cNvPicPr>
-            <a:picLocks noChangeAspect="1"/>
-          </p:cNvPicPr>
-          <p:nvPr/>
-        </p:nvPicPr>
-        <p:blipFill>
-          <a:blip r:embed="rId3">
-            <a:extLst>
-              <a:ext uri="{28A0092B-C50C-407E-A947-70E740481C1C}">
-                <a14:useLocalDpi xmlns:a14="http://schemas.microsoft.com/office/drawing/2010/main" val="0"/>
-              </a:ext>
-            </a:extLst>
-          </a:blip>
-          <a:stretch>
-            <a:fillRect/>
-          </a:stretch>
-        </p:blipFill>
-        <p:spPr>
-          <a:xfrm>
-            <a:off x="10918384" y="423130"/>
-            <a:ext cx="734177" cy="734178"/>
-          </a:xfrm>
-          <a:prstGeom prst="rect">
-            <a:avLst/>
-          </a:prstGeom>
-        </p:spPr>
-      </p:pic>
-    </p:spTree>
-    <p:extLst>
-      <p:ext uri="{BB962C8B-B14F-4D97-AF65-F5344CB8AC3E}">
-        <p14:creationId xmlns:p14="http://schemas.microsoft.com/office/powerpoint/2010/main" val="3805673774"/>
-      </p:ext>
-    </p:extLst>
-  </p:cSld>
-  <p:clrMapOvr>
-    <a:masterClrMapping/>
-  </p:clrMapOvr>
-</p:sld>
-</file>
-
-<file path=ppt/slides/slide7.xml><?xml version="1.0" encoding="utf-8"?>
-<p:sld xmlns:a="http://schemas.openxmlformats.org/drawingml/2006/main" xmlns:r="http://schemas.openxmlformats.org/officeDocument/2006/relationships" xmlns:p="http://schemas.openxmlformats.org/presentationml/2006/main">
-  <p:cSld>
-    <p:bg>
-      <p:bgPr>
-        <a:solidFill>
-          <a:srgbClr val="002060"/>
-        </a:solidFill>
-        <a:effectLst/>
-      </p:bgPr>
-    </p:bg>
-    <p:spTree>
-      <p:nvGrpSpPr>
-        <p:cNvPr id="1" name=""/>
-        <p:cNvGrpSpPr/>
-        <p:nvPr/>
-      </p:nvGrpSpPr>
-      <p:grpSpPr>
-        <a:xfrm>
-          <a:off x="0" y="0"/>
-          <a:ext cx="0" cy="0"/>
-          <a:chOff x="0" y="0"/>
-          <a:chExt cx="0" cy="0"/>
-        </a:xfrm>
-      </p:grpSpPr>
-      <p:sp>
-        <p:nvSpPr>
-          <p:cNvPr id="7" name="TextBox 6">
-            <a:extLst>
-              <a:ext uri="{FF2B5EF4-FFF2-40B4-BE49-F238E27FC236}">
-                <a16:creationId xmlns:a16="http://schemas.microsoft.com/office/drawing/2014/main" id="{C62A69AA-1251-4A83-A350-CCD1F91EBDB1}"/>
-              </a:ext>
-            </a:extLst>
-          </p:cNvPr>
-          <p:cNvSpPr txBox="1"/>
-          <p:nvPr/>
-        </p:nvSpPr>
-        <p:spPr>
-          <a:xfrm>
-            <a:off x="1687285" y="367779"/>
-            <a:ext cx="8817429" cy="707886"/>
-          </a:xfrm>
-          <a:prstGeom prst="rect">
-            <a:avLst/>
-          </a:prstGeom>
-          <a:noFill/>
-        </p:spPr>
-        <p:txBody>
-          <a:bodyPr wrap="square">
-            <a:spAutoFit/>
-          </a:bodyPr>
-          <a:lstStyle/>
-          <a:p>
-            <a:pPr algn="ctr"/>
-            <a:r>
-              <a:rPr lang="ru-RU" sz="4000" b="1" dirty="0">
-                <a:solidFill>
-                  <a:schemeClr val="bg1"/>
-                </a:solidFill>
-                <a:effectLst/>
-                <a:latin typeface="Times New Roman" panose="02020603050405020304" pitchFamily="18" charset="0"/>
-                <a:ea typeface="Calibri" panose="020F0502020204030204" pitchFamily="34" charset="0"/>
-              </a:rPr>
-              <a:t>Компьютеры изменили нашу жизнь </a:t>
-            </a:r>
-            <a:endParaRPr lang="ru-RU" sz="4000" b="1" dirty="0">
-              <a:solidFill>
-                <a:schemeClr val="bg1"/>
-              </a:solidFill>
-              <a:latin typeface="Times New Roman" panose="02020603050405020304" pitchFamily="18" charset="0"/>
-              <a:cs typeface="Times New Roman" panose="02020603050405020304" pitchFamily="18" charset="0"/>
-            </a:endParaRPr>
-          </a:p>
-        </p:txBody>
-      </p:sp>
-      <p:pic>
-        <p:nvPicPr>
-          <p:cNvPr id="3" name="Рисунок 2">
-            <a:extLst>
-              <a:ext uri="{FF2B5EF4-FFF2-40B4-BE49-F238E27FC236}">
-                <a16:creationId xmlns:a16="http://schemas.microsoft.com/office/drawing/2014/main" id="{A5125835-D2EF-4FCF-A60F-6305E9D9D11D}"/>
-              </a:ext>
-            </a:extLst>
-          </p:cNvPr>
-          <p:cNvPicPr>
-            <a:picLocks noChangeAspect="1"/>
-          </p:cNvPicPr>
-          <p:nvPr/>
-        </p:nvPicPr>
-        <p:blipFill>
-          <a:blip r:embed="rId2">
-            <a:extLst>
-              <a:ext uri="{28A0092B-C50C-407E-A947-70E740481C1C}">
-                <a14:useLocalDpi xmlns:a14="http://schemas.microsoft.com/office/drawing/2010/main" val="0"/>
-              </a:ext>
-            </a:extLst>
-          </a:blip>
-          <a:stretch>
-            <a:fillRect/>
-          </a:stretch>
-        </p:blipFill>
-        <p:spPr>
-          <a:xfrm>
-            <a:off x="4324350" y="3869160"/>
-            <a:ext cx="3543298" cy="2358508"/>
-          </a:xfrm>
-          <a:prstGeom prst="rect">
-            <a:avLst/>
-          </a:prstGeom>
-        </p:spPr>
-      </p:pic>
-      <p:pic>
-        <p:nvPicPr>
-          <p:cNvPr id="5" name="Рисунок 4">
-            <a:extLst>
-              <a:ext uri="{FF2B5EF4-FFF2-40B4-BE49-F238E27FC236}">
-                <a16:creationId xmlns:a16="http://schemas.microsoft.com/office/drawing/2014/main" id="{1D796822-482F-47A3-8327-043836A321ED}"/>
-              </a:ext>
-            </a:extLst>
-          </p:cNvPr>
-          <p:cNvPicPr>
-            <a:picLocks noChangeAspect="1"/>
-          </p:cNvPicPr>
-          <p:nvPr/>
-        </p:nvPicPr>
-        <p:blipFill>
-          <a:blip r:embed="rId3">
-            <a:extLst>
-              <a:ext uri="{28A0092B-C50C-407E-A947-70E740481C1C}">
-                <a14:useLocalDpi xmlns:a14="http://schemas.microsoft.com/office/drawing/2010/main" val="0"/>
-              </a:ext>
-            </a:extLst>
-          </a:blip>
-          <a:stretch>
-            <a:fillRect/>
-          </a:stretch>
-        </p:blipFill>
-        <p:spPr>
-          <a:xfrm>
-            <a:off x="8093527" y="1534886"/>
-            <a:ext cx="3543298" cy="2610172"/>
-          </a:xfrm>
-          <a:prstGeom prst="rect">
-            <a:avLst/>
-          </a:prstGeom>
-        </p:spPr>
-      </p:pic>
-      <p:pic>
-        <p:nvPicPr>
-          <p:cNvPr id="8" name="Рисунок 7">
-            <a:extLst>
-              <a:ext uri="{FF2B5EF4-FFF2-40B4-BE49-F238E27FC236}">
-                <a16:creationId xmlns:a16="http://schemas.microsoft.com/office/drawing/2014/main" id="{44060189-B1A0-40D6-A172-0A9E3FD176C9}"/>
-              </a:ext>
-            </a:extLst>
-          </p:cNvPr>
-          <p:cNvPicPr>
-            <a:picLocks noChangeAspect="1"/>
-          </p:cNvPicPr>
-          <p:nvPr/>
-        </p:nvPicPr>
-        <p:blipFill>
-          <a:blip r:embed="rId4">
-            <a:extLst>
-              <a:ext uri="{28A0092B-C50C-407E-A947-70E740481C1C}">
-                <a14:useLocalDpi xmlns:a14="http://schemas.microsoft.com/office/drawing/2010/main" val="0"/>
-              </a:ext>
-            </a:extLst>
-          </a:blip>
-          <a:stretch>
-            <a:fillRect/>
-          </a:stretch>
-        </p:blipFill>
-        <p:spPr>
-          <a:xfrm>
-            <a:off x="555173" y="1600200"/>
-            <a:ext cx="3543298" cy="2657474"/>
-          </a:xfrm>
-          <a:prstGeom prst="rect">
-            <a:avLst/>
-          </a:prstGeom>
-        </p:spPr>
-      </p:pic>
-    </p:spTree>
-    <p:extLst>
-      <p:ext uri="{BB962C8B-B14F-4D97-AF65-F5344CB8AC3E}">
-        <p14:creationId xmlns:p14="http://schemas.microsoft.com/office/powerpoint/2010/main" val="488981916"/>
-      </p:ext>
-    </p:extLst>
-  </p:cSld>
-  <p:clrMapOvr>
-    <a:masterClrMapping/>
-  </p:clrMapOvr>
-</p:sld>
-</file>
-
-<file path=ppt/slides/slide8.xml><?xml version="1.0" encoding="utf-8"?>
-<p:sld xmlns:a="http://schemas.openxmlformats.org/drawingml/2006/main" xmlns:r="http://schemas.openxmlformats.org/officeDocument/2006/relationships" xmlns:p="http://schemas.openxmlformats.org/presentationml/2006/main">
-  <p:cSld>
-    <p:bg>
-      <p:bgPr>
-        <a:solidFill>
-          <a:srgbClr val="073952"/>
-        </a:solidFill>
-        <a:effectLst/>
-      </p:bgPr>
-    </p:bg>
-    <p:spTree>
-      <p:nvGrpSpPr>
-        <p:cNvPr id="1" name=""/>
-        <p:cNvGrpSpPr/>
-        <p:nvPr/>
-      </p:nvGrpSpPr>
-      <p:grpSpPr>
-        <a:xfrm>
-          <a:off x="0" y="0"/>
-          <a:ext cx="0" cy="0"/>
-          <a:chOff x="0" y="0"/>
-          <a:chExt cx="0" cy="0"/>
-        </a:xfrm>
-      </p:grpSpPr>
-      <p:sp>
-        <p:nvSpPr>
-          <p:cNvPr id="7" name="TextBox 6">
-            <a:extLst>
-              <a:ext uri="{FF2B5EF4-FFF2-40B4-BE49-F238E27FC236}">
-                <a16:creationId xmlns:a16="http://schemas.microsoft.com/office/drawing/2014/main" id="{C62A69AA-1251-4A83-A350-CCD1F91EBDB1}"/>
-              </a:ext>
-            </a:extLst>
-          </p:cNvPr>
-          <p:cNvSpPr txBox="1"/>
-          <p:nvPr/>
-        </p:nvSpPr>
-        <p:spPr>
-          <a:xfrm>
-            <a:off x="1687283" y="308786"/>
-            <a:ext cx="8817429" cy="707886"/>
-          </a:xfrm>
-          <a:prstGeom prst="rect">
-            <a:avLst/>
-          </a:prstGeom>
-          <a:noFill/>
-        </p:spPr>
-        <p:txBody>
-          <a:bodyPr wrap="square">
-            <a:spAutoFit/>
-          </a:bodyPr>
-          <a:lstStyle/>
-          <a:p>
-            <a:pPr algn="ctr"/>
-            <a:r>
-              <a:rPr lang="ru-RU" sz="4000" b="1" dirty="0">
-                <a:solidFill>
-                  <a:schemeClr val="bg1"/>
-                </a:solidFill>
-                <a:latin typeface="Times New Roman" panose="02020603050405020304" pitchFamily="18" charset="0"/>
-                <a:cs typeface="Times New Roman" panose="02020603050405020304" pitchFamily="18" charset="0"/>
-              </a:rPr>
-              <a:t>Искусственный интеллект </a:t>
-            </a:r>
-          </a:p>
-        </p:txBody>
-      </p:sp>
-      <p:pic>
-        <p:nvPicPr>
-          <p:cNvPr id="4" name="Рисунок 3">
-            <a:extLst>
-              <a:ext uri="{FF2B5EF4-FFF2-40B4-BE49-F238E27FC236}">
-                <a16:creationId xmlns:a16="http://schemas.microsoft.com/office/drawing/2014/main" id="{47E9AC2A-9812-4DCF-BB05-54271B619262}"/>
-              </a:ext>
-            </a:extLst>
-          </p:cNvPr>
-          <p:cNvPicPr>
-            <a:picLocks noChangeAspect="1"/>
-          </p:cNvPicPr>
-          <p:nvPr/>
-        </p:nvPicPr>
-        <p:blipFill>
-          <a:blip r:embed="rId2">
-            <a:extLst>
-              <a:ext uri="{28A0092B-C50C-407E-A947-70E740481C1C}">
-                <a14:useLocalDpi xmlns:a14="http://schemas.microsoft.com/office/drawing/2010/main" val="0"/>
-              </a:ext>
-            </a:extLst>
-          </a:blip>
-          <a:stretch>
-            <a:fillRect/>
-          </a:stretch>
-        </p:blipFill>
-        <p:spPr>
-          <a:xfrm>
-            <a:off x="2003013" y="1291975"/>
-            <a:ext cx="8185971" cy="5457314"/>
-          </a:xfrm>
-          <a:prstGeom prst="rect">
-            <a:avLst/>
-          </a:prstGeom>
-        </p:spPr>
-      </p:pic>
-    </p:spTree>
-    <p:extLst>
-      <p:ext uri="{BB962C8B-B14F-4D97-AF65-F5344CB8AC3E}">
-        <p14:creationId xmlns:p14="http://schemas.microsoft.com/office/powerpoint/2010/main" val="1238924041"/>
-      </p:ext>
-    </p:extLst>
-  </p:cSld>
-  <p:clrMapOvr>
-    <a:masterClrMapping/>
-  </p:clrMapOvr>
-</p:sld>
-</file>
-
-<file path=ppt/slides/slide9.xml><?xml version="1.0" encoding="utf-8"?>
-<p:sld xmlns:a="http://schemas.openxmlformats.org/drawingml/2006/main" xmlns:r="http://schemas.openxmlformats.org/officeDocument/2006/relationships" xmlns:p="http://schemas.openxmlformats.org/presentationml/2006/main">
-  <p:cSld>
-    <p:bg>
-      <p:bgPr>
-        <a:solidFill>
-          <a:srgbClr val="313131"/>
-        </a:solidFill>
-        <a:effectLst/>
-      </p:bgPr>
-    </p:bg>
-    <p:spTree>
-      <p:nvGrpSpPr>
-        <p:cNvPr id="1" name=""/>
-        <p:cNvGrpSpPr/>
-        <p:nvPr/>
-      </p:nvGrpSpPr>
-      <p:grpSpPr>
-        <a:xfrm>
-          <a:off x="0" y="0"/>
-          <a:ext cx="0" cy="0"/>
-          <a:chOff x="0" y="0"/>
-          <a:chExt cx="0" cy="0"/>
-        </a:xfrm>
-      </p:grpSpPr>
-      <p:sp>
-        <p:nvSpPr>
-          <p:cNvPr id="7" name="TextBox 6">
-            <a:extLst>
-              <a:ext uri="{FF2B5EF4-FFF2-40B4-BE49-F238E27FC236}">
-                <a16:creationId xmlns:a16="http://schemas.microsoft.com/office/drawing/2014/main" id="{C62A69AA-1251-4A83-A350-CCD1F91EBDB1}"/>
-              </a:ext>
-            </a:extLst>
-          </p:cNvPr>
-          <p:cNvSpPr txBox="1"/>
-          <p:nvPr/>
-        </p:nvSpPr>
-        <p:spPr>
-          <a:xfrm>
-            <a:off x="1687285" y="488401"/>
-            <a:ext cx="8817429" cy="707886"/>
-          </a:xfrm>
-          <a:prstGeom prst="rect">
-            <a:avLst/>
-          </a:prstGeom>
-          <a:noFill/>
-        </p:spPr>
-        <p:txBody>
-          <a:bodyPr wrap="square">
-            <a:spAutoFit/>
-          </a:bodyPr>
-          <a:lstStyle/>
-          <a:p>
-            <a:pPr algn="ctr"/>
-            <a:r>
-              <a:rPr lang="ru-RU" sz="4000" b="1" dirty="0">
-                <a:solidFill>
-                  <a:schemeClr val="bg1"/>
-                </a:solidFill>
-                <a:latin typeface="Times New Roman" panose="02020603050405020304" pitchFamily="18" charset="0"/>
-                <a:cs typeface="Times New Roman" panose="02020603050405020304" pitchFamily="18" charset="0"/>
-              </a:rPr>
-              <a:t>Веб браузеры</a:t>
-            </a:r>
-          </a:p>
-        </p:txBody>
-      </p:sp>
-      <p:pic>
-        <p:nvPicPr>
-          <p:cNvPr id="3" name="Рисунок 2">
-            <a:extLst>
-              <a:ext uri="{FF2B5EF4-FFF2-40B4-BE49-F238E27FC236}">
-                <a16:creationId xmlns:a16="http://schemas.microsoft.com/office/drawing/2014/main" id="{E35FB24A-44AF-47DC-A510-6146CE4D13A2}"/>
-              </a:ext>
-            </a:extLst>
-          </p:cNvPr>
-          <p:cNvPicPr>
-            <a:picLocks noChangeAspect="1"/>
-          </p:cNvPicPr>
-          <p:nvPr/>
-        </p:nvPicPr>
-        <p:blipFill>
-          <a:blip r:embed="rId2">
-            <a:extLst>
-              <a:ext uri="{28A0092B-C50C-407E-A947-70E740481C1C}">
-                <a14:useLocalDpi xmlns:a14="http://schemas.microsoft.com/office/drawing/2010/main" val="0"/>
-              </a:ext>
-            </a:extLst>
-          </a:blip>
-          <a:stretch>
-            <a:fillRect/>
-          </a:stretch>
-        </p:blipFill>
-        <p:spPr>
-          <a:xfrm>
-            <a:off x="476250" y="1506990"/>
-            <a:ext cx="11239500" cy="4730688"/>
-          </a:xfrm>
-          <a:prstGeom prst="rect">
-            <a:avLst/>
-          </a:prstGeom>
-        </p:spPr>
-      </p:pic>
-    </p:spTree>
-    <p:extLst>
-      <p:ext uri="{BB962C8B-B14F-4D97-AF65-F5344CB8AC3E}">
-        <p14:creationId xmlns:p14="http://schemas.microsoft.com/office/powerpoint/2010/main" val="1792139311"/>
       </p:ext>
     </p:extLst>
   </p:cSld>
